--- a/EC 1309- Measurement & Instrumentation/MI Project Orig.pptx
+++ b/EC 1309- Measurement & Instrumentation/MI Project Orig.pptx
@@ -1162,7 +1162,7 @@
       </p:grpSpPr>
       <p:sp>
         <p:nvSpPr>
-          <p:cNvPr id="174" name="Google Shape;174;g8b2996418c_1_0:notes"/>
+          <p:cNvPr id="174" name="Google Shape;174;g8b2996418c_1_5:notes"/>
           <p:cNvSpPr/>
           <p:nvPr>
             <p:ph idx="2" type="sldImg"/>
@@ -1197,7 +1197,7 @@
       </p:sp>
       <p:sp>
         <p:nvSpPr>
-          <p:cNvPr id="175" name="Google Shape;175;g8b2996418c_1_0:notes"/>
+          <p:cNvPr id="175" name="Google Shape;175;g8b2996418c_1_5:notes"/>
           <p:cNvSpPr txBox="1"/>
           <p:nvPr>
             <p:ph idx="1" type="body"/>
@@ -1261,7 +1261,7 @@
       </p:grpSpPr>
       <p:sp>
         <p:nvSpPr>
-          <p:cNvPr id="180" name="Google Shape;180;g8b2996418c_1_5:notes"/>
+          <p:cNvPr id="180" name="Google Shape;180;g8b7f828e6e_1_223:notes"/>
           <p:cNvSpPr/>
           <p:nvPr>
             <p:ph idx="2" type="sldImg"/>
@@ -1296,7 +1296,7 @@
       </p:sp>
       <p:sp>
         <p:nvSpPr>
-          <p:cNvPr id="181" name="Google Shape;181;g8b2996418c_1_5:notes"/>
+          <p:cNvPr id="181" name="Google Shape;181;g8b7f828e6e_1_223:notes"/>
           <p:cNvSpPr txBox="1"/>
           <p:nvPr>
             <p:ph idx="1" type="body"/>
@@ -1346,7 +1346,7 @@
   <p:cSld>
     <p:spTree>
       <p:nvGrpSpPr>
-        <p:cNvPr id="186" name="Shape 186"/>
+        <p:cNvPr id="185" name="Shape 185"/>
         <p:cNvGrpSpPr/>
         <p:nvPr/>
       </p:nvGrpSpPr>
@@ -1360,7 +1360,7 @@
       </p:grpSpPr>
       <p:sp>
         <p:nvSpPr>
-          <p:cNvPr id="187" name="Google Shape;187;g8b7f828e6e_1_223:notes"/>
+          <p:cNvPr id="186" name="Google Shape;186;g8ba48da770_0_0:notes"/>
           <p:cNvSpPr/>
           <p:nvPr>
             <p:ph idx="2" type="sldImg"/>
@@ -1395,7 +1395,7 @@
       </p:sp>
       <p:sp>
         <p:nvSpPr>
-          <p:cNvPr id="188" name="Google Shape;188;g8b7f828e6e_1_223:notes"/>
+          <p:cNvPr id="187" name="Google Shape;187;g8ba48da770_0_0:notes"/>
           <p:cNvSpPr txBox="1"/>
           <p:nvPr>
             <p:ph idx="1" type="body"/>
@@ -1445,7 +1445,7 @@
   <p:cSld>
     <p:spTree>
       <p:nvGrpSpPr>
-        <p:cNvPr id="192" name="Shape 192"/>
+        <p:cNvPr id="191" name="Shape 191"/>
         <p:cNvGrpSpPr/>
         <p:nvPr/>
       </p:nvGrpSpPr>
@@ -1459,7 +1459,7 @@
       </p:grpSpPr>
       <p:sp>
         <p:nvSpPr>
-          <p:cNvPr id="193" name="Google Shape;193;g8ba48da770_0_0:notes"/>
+          <p:cNvPr id="192" name="Google Shape;192;g8b2996418c_1_17:notes"/>
           <p:cNvSpPr/>
           <p:nvPr>
             <p:ph idx="2" type="sldImg"/>
@@ -1494,7 +1494,7 @@
       </p:sp>
       <p:sp>
         <p:nvSpPr>
-          <p:cNvPr id="194" name="Google Shape;194;g8ba48da770_0_0:notes"/>
+          <p:cNvPr id="193" name="Google Shape;193;g8b2996418c_1_17:notes"/>
           <p:cNvSpPr txBox="1"/>
           <p:nvPr>
             <p:ph idx="1" type="body"/>
@@ -9522,7 +9522,7 @@
                 <a:cs typeface="Times"/>
                 <a:sym typeface="Times"/>
               </a:rPr>
-              <a:t>Chandrajit Choudhury</a:t>
+              <a:t>Gaurav Singh Baghel</a:t>
             </a:r>
             <a:endParaRPr sz="1700">
               <a:solidFill>
@@ -9734,17 +9734,25 @@
               <a:buNone/>
             </a:pPr>
             <a:r>
-              <a:rPr lang="en" sz="5000">
+              <a:rPr lang="en" sz="4500">
                 <a:solidFill>
                   <a:srgbClr val="D5A6BD"/>
                 </a:solidFill>
+                <a:latin typeface="Comfortaa"/>
+                <a:ea typeface="Comfortaa"/>
+                <a:cs typeface="Comfortaa"/>
+                <a:sym typeface="Comfortaa"/>
               </a:rPr>
               <a:t>Schematic Diagram</a:t>
             </a:r>
-            <a:endParaRPr sz="5000">
+            <a:endParaRPr sz="4500">
               <a:solidFill>
                 <a:srgbClr val="D5A6BD"/>
               </a:solidFill>
+              <a:latin typeface="Comfortaa"/>
+              <a:ea typeface="Comfortaa"/>
+              <a:cs typeface="Comfortaa"/>
+              <a:sym typeface="Comfortaa"/>
             </a:endParaRPr>
           </a:p>
         </p:txBody>
@@ -10145,10 +10153,20 @@
               <a:buNone/>
             </a:pPr>
             <a:r>
-              <a:rPr lang="en" sz="4000"/>
+              <a:rPr lang="en" sz="3800">
+                <a:latin typeface="Comfortaa"/>
+                <a:ea typeface="Comfortaa"/>
+                <a:cs typeface="Comfortaa"/>
+                <a:sym typeface="Comfortaa"/>
+              </a:rPr>
               <a:t>Block Diagram</a:t>
             </a:r>
-            <a:endParaRPr sz="4000"/>
+            <a:endParaRPr sz="3800">
+              <a:latin typeface="Comfortaa"/>
+              <a:ea typeface="Comfortaa"/>
+              <a:cs typeface="Comfortaa"/>
+              <a:sym typeface="Comfortaa"/>
+            </a:endParaRPr>
           </a:p>
         </p:txBody>
       </p:sp>
@@ -10251,17 +10269,25 @@
               <a:buNone/>
             </a:pPr>
             <a:r>
-              <a:rPr lang="en" sz="5000">
+              <a:rPr lang="en" sz="4500">
                 <a:solidFill>
                   <a:srgbClr val="D5A6BD"/>
                 </a:solidFill>
+                <a:latin typeface="Comfortaa"/>
+                <a:ea typeface="Comfortaa"/>
+                <a:cs typeface="Comfortaa"/>
+                <a:sym typeface="Comfortaa"/>
               </a:rPr>
               <a:t>Flow Chart</a:t>
             </a:r>
-            <a:endParaRPr sz="5000">
+            <a:endParaRPr sz="4500">
               <a:solidFill>
                 <a:srgbClr val="D5A6BD"/>
               </a:solidFill>
+              <a:latin typeface="Comfortaa"/>
+              <a:ea typeface="Comfortaa"/>
+              <a:cs typeface="Comfortaa"/>
+              <a:sym typeface="Comfortaa"/>
             </a:endParaRPr>
           </a:p>
         </p:txBody>
@@ -10328,7 +10354,7 @@
         </p:nvSpPr>
         <p:spPr>
           <a:xfrm>
-            <a:off x="311700" y="410000"/>
+            <a:off x="311700" y="278400"/>
             <a:ext cx="8520600" cy="607800"/>
           </a:xfrm>
           <a:prstGeom prst="rect">
@@ -10341,7 +10367,7 @@
           </a:bodyPr>
           <a:lstStyle/>
           <a:p>
-            <a:pPr indent="0" lvl="0" marL="0" rtl="0" algn="l">
+            <a:pPr indent="0" lvl="0" marL="0" rtl="0" algn="ctr">
               <a:spcBef>
                 <a:spcPts val="0"/>
               </a:spcBef>
@@ -10351,10 +10377,20 @@
               <a:buNone/>
             </a:pPr>
             <a:r>
-              <a:rPr lang="en"/>
+              <a:rPr lang="en" sz="3400">
+                <a:latin typeface="Comfortaa"/>
+                <a:ea typeface="Comfortaa"/>
+                <a:cs typeface="Comfortaa"/>
+                <a:sym typeface="Comfortaa"/>
+              </a:rPr>
               <a:t>Procedure</a:t>
             </a:r>
-            <a:endParaRPr/>
+            <a:endParaRPr sz="3400">
+              <a:latin typeface="Comfortaa"/>
+              <a:ea typeface="Comfortaa"/>
+              <a:cs typeface="Comfortaa"/>
+              <a:sym typeface="Comfortaa"/>
+            </a:endParaRPr>
           </a:p>
         </p:txBody>
       </p:sp>
@@ -10362,18 +10398,20 @@
         <p:nvSpPr>
           <p:cNvPr id="178" name="Google Shape;178;p25"/>
           <p:cNvSpPr txBox="1"/>
-          <p:nvPr>
-            <p:ph idx="1" type="body"/>
-          </p:nvPr>
+          <p:nvPr/>
         </p:nvSpPr>
         <p:spPr>
           <a:xfrm>
-            <a:off x="311700" y="1229875"/>
-            <a:ext cx="8520600" cy="3339000"/>
+            <a:off x="496200" y="886200"/>
+            <a:ext cx="8151600" cy="3371100"/>
           </a:xfrm>
           <a:prstGeom prst="rect">
             <a:avLst/>
           </a:prstGeom>
+          <a:noFill/>
+          <a:ln>
+            <a:noFill/>
+          </a:ln>
         </p:spPr>
         <p:txBody>
           <a:bodyPr anchorCtr="0" anchor="t" bIns="91425" lIns="91425" spcFirstLastPara="1" rIns="91425" wrap="square" tIns="91425">
@@ -10381,55 +10419,360 @@
           </a:bodyPr>
           <a:lstStyle/>
           <a:p>
-            <a:pPr indent="-342900" lvl="0" marL="457200" rtl="0" algn="l">
-              <a:spcBef>
-                <a:spcPts val="0"/>
-              </a:spcBef>
-              <a:spcAft>
-                <a:spcPts val="0"/>
-              </a:spcAft>
-              <a:buSzPts val="1800"/>
-              <a:buChar char="➢"/>
+            <a:pPr indent="-330200" lvl="0" marL="457200" rtl="0" algn="l">
+              <a:spcBef>
+                <a:spcPts val="0"/>
+              </a:spcBef>
+              <a:spcAft>
+                <a:spcPts val="0"/>
+              </a:spcAft>
+              <a:buClr>
+                <a:schemeClr val="dk2"/>
+              </a:buClr>
+              <a:buSzPts val="1600"/>
+              <a:buFont typeface="Roboto"/>
+              <a:buAutoNum type="arabicPeriod"/>
             </a:pPr>
             <a:r>
-              <a:rPr lang="en"/>
-              <a:t>First, the instrument is set up with the IR sensor being placed at the equilibrium position.</a:t>
+              <a:rPr lang="en" sz="1600">
+                <a:solidFill>
+                  <a:schemeClr val="dk2"/>
+                </a:solidFill>
+                <a:latin typeface="Roboto"/>
+                <a:ea typeface="Roboto"/>
+                <a:cs typeface="Roboto"/>
+                <a:sym typeface="Roboto"/>
+              </a:rPr>
+              <a:t>Set up a frame to hold the pendulum firmly.</a:t>
             </a:r>
-            <a:endParaRPr/>
+            <a:endParaRPr sz="1600">
+              <a:solidFill>
+                <a:schemeClr val="dk2"/>
+              </a:solidFill>
+              <a:latin typeface="Roboto"/>
+              <a:ea typeface="Roboto"/>
+              <a:cs typeface="Roboto"/>
+              <a:sym typeface="Roboto"/>
+            </a:endParaRPr>
           </a:p>
           <a:p>
-            <a:pPr indent="-342900" lvl="0" marL="457200" rtl="0" algn="l">
-              <a:spcBef>
-                <a:spcPts val="0"/>
-              </a:spcBef>
-              <a:spcAft>
-                <a:spcPts val="0"/>
-              </a:spcAft>
-              <a:buSzPts val="1800"/>
-              <a:buChar char="➢"/>
+            <a:pPr indent="-330200" lvl="0" marL="457200" rtl="0" algn="l">
+              <a:spcBef>
+                <a:spcPts val="0"/>
+              </a:spcBef>
+              <a:spcAft>
+                <a:spcPts val="0"/>
+              </a:spcAft>
+              <a:buClr>
+                <a:schemeClr val="dk2"/>
+              </a:buClr>
+              <a:buSzPts val="1600"/>
+              <a:buFont typeface="Roboto"/>
+              <a:buAutoNum type="arabicPeriod"/>
             </a:pPr>
             <a:r>
-              <a:rPr lang="en"/>
-              <a:t>The IR sensor is connected with the right pins in the Arduino board.</a:t>
+              <a:rPr lang="en" sz="1600">
+                <a:solidFill>
+                  <a:schemeClr val="dk2"/>
+                </a:solidFill>
+                <a:latin typeface="Roboto"/>
+                <a:ea typeface="Roboto"/>
+                <a:cs typeface="Roboto"/>
+                <a:sym typeface="Roboto"/>
+              </a:rPr>
+              <a:t>A simple pendulum of suitable length(~15 cm) is made using a bob and a massless inextensible string.</a:t>
             </a:r>
-            <a:endParaRPr/>
+            <a:endParaRPr sz="1600">
+              <a:solidFill>
+                <a:schemeClr val="dk2"/>
+              </a:solidFill>
+              <a:latin typeface="Roboto"/>
+              <a:ea typeface="Roboto"/>
+              <a:cs typeface="Roboto"/>
+              <a:sym typeface="Roboto"/>
+            </a:endParaRPr>
           </a:p>
           <a:p>
-            <a:pPr indent="-342900" lvl="0" marL="457200" rtl="0" algn="l">
-              <a:spcBef>
-                <a:spcPts val="0"/>
-              </a:spcBef>
-              <a:spcAft>
-                <a:spcPts val="0"/>
-              </a:spcAft>
-              <a:buSzPts val="1800"/>
-              <a:buChar char="➢"/>
+            <a:pPr indent="-330200" lvl="0" marL="457200" rtl="0" algn="l">
+              <a:spcBef>
+                <a:spcPts val="0"/>
+              </a:spcBef>
+              <a:spcAft>
+                <a:spcPts val="0"/>
+              </a:spcAft>
+              <a:buClr>
+                <a:schemeClr val="dk2"/>
+              </a:buClr>
+              <a:buSzPts val="1600"/>
+              <a:buFont typeface="Roboto"/>
+              <a:buAutoNum type="arabicPeriod"/>
             </a:pPr>
             <a:r>
-              <a:rPr lang="en"/>
-              <a:t>The code written in the </a:t>
+              <a:rPr lang="en" sz="1600">
+                <a:solidFill>
+                  <a:schemeClr val="dk2"/>
+                </a:solidFill>
+                <a:latin typeface="Roboto"/>
+                <a:ea typeface="Roboto"/>
+                <a:cs typeface="Roboto"/>
+                <a:sym typeface="Roboto"/>
+              </a:rPr>
+              <a:t>Place the sensor at a suitable distance away from from bob in the equilibrium position of bob’s trajectory.</a:t>
             </a:r>
-            <a:endParaRPr/>
+            <a:endParaRPr sz="1600">
+              <a:solidFill>
+                <a:schemeClr val="dk2"/>
+              </a:solidFill>
+              <a:latin typeface="Roboto"/>
+              <a:ea typeface="Roboto"/>
+              <a:cs typeface="Roboto"/>
+              <a:sym typeface="Roboto"/>
+            </a:endParaRPr>
+          </a:p>
+          <a:p>
+            <a:pPr indent="-330200" lvl="0" marL="457200" rtl="0" algn="l">
+              <a:spcBef>
+                <a:spcPts val="0"/>
+              </a:spcBef>
+              <a:spcAft>
+                <a:spcPts val="0"/>
+              </a:spcAft>
+              <a:buClr>
+                <a:schemeClr val="dk2"/>
+              </a:buClr>
+              <a:buSzPts val="1600"/>
+              <a:buFont typeface="Roboto"/>
+              <a:buAutoNum type="arabicPeriod"/>
+            </a:pPr>
+            <a:r>
+              <a:rPr lang="en" sz="1600">
+                <a:solidFill>
+                  <a:schemeClr val="dk2"/>
+                </a:solidFill>
+                <a:latin typeface="Roboto"/>
+                <a:ea typeface="Roboto"/>
+                <a:cs typeface="Roboto"/>
+                <a:sym typeface="Roboto"/>
+              </a:rPr>
+              <a:t>Connect the IR sensor with the right pins of the Arduino.</a:t>
+            </a:r>
+            <a:endParaRPr sz="1600">
+              <a:solidFill>
+                <a:schemeClr val="dk2"/>
+              </a:solidFill>
+              <a:latin typeface="Roboto"/>
+              <a:ea typeface="Roboto"/>
+              <a:cs typeface="Roboto"/>
+              <a:sym typeface="Roboto"/>
+            </a:endParaRPr>
+          </a:p>
+          <a:p>
+            <a:pPr indent="-330200" lvl="0" marL="457200" rtl="0" algn="l">
+              <a:spcBef>
+                <a:spcPts val="0"/>
+              </a:spcBef>
+              <a:spcAft>
+                <a:spcPts val="0"/>
+              </a:spcAft>
+              <a:buClr>
+                <a:schemeClr val="dk2"/>
+              </a:buClr>
+              <a:buSzPts val="1600"/>
+              <a:buFont typeface="Roboto"/>
+              <a:buAutoNum type="arabicPeriod"/>
+            </a:pPr>
+            <a:r>
+              <a:rPr lang="en" sz="1600">
+                <a:solidFill>
+                  <a:schemeClr val="dk2"/>
+                </a:solidFill>
+                <a:latin typeface="Roboto"/>
+                <a:ea typeface="Roboto"/>
+                <a:cs typeface="Roboto"/>
+                <a:sym typeface="Roboto"/>
+              </a:rPr>
+              <a:t>Write a suitable code in Arduino IDE to analyze sensors and determine the value of g if bob crosses mean/equilibrium position.</a:t>
+            </a:r>
+            <a:endParaRPr sz="1600">
+              <a:solidFill>
+                <a:schemeClr val="dk2"/>
+              </a:solidFill>
+              <a:latin typeface="Roboto"/>
+              <a:ea typeface="Roboto"/>
+              <a:cs typeface="Roboto"/>
+              <a:sym typeface="Roboto"/>
+            </a:endParaRPr>
+          </a:p>
+          <a:p>
+            <a:pPr indent="-330200" lvl="0" marL="457200" rtl="0" algn="l">
+              <a:spcBef>
+                <a:spcPts val="0"/>
+              </a:spcBef>
+              <a:spcAft>
+                <a:spcPts val="0"/>
+              </a:spcAft>
+              <a:buClr>
+                <a:schemeClr val="dk2"/>
+              </a:buClr>
+              <a:buSzPts val="1600"/>
+              <a:buFont typeface="Roboto"/>
+              <a:buAutoNum type="arabicPeriod"/>
+            </a:pPr>
+            <a:r>
+              <a:rPr lang="en" sz="1600">
+                <a:solidFill>
+                  <a:schemeClr val="dk2"/>
+                </a:solidFill>
+                <a:latin typeface="Roboto"/>
+                <a:ea typeface="Roboto"/>
+                <a:cs typeface="Roboto"/>
+                <a:sym typeface="Roboto"/>
+              </a:rPr>
+              <a:t>Update the code into the Arduino board via USB Cable. </a:t>
+            </a:r>
+            <a:endParaRPr sz="1600">
+              <a:solidFill>
+                <a:schemeClr val="dk2"/>
+              </a:solidFill>
+              <a:latin typeface="Roboto"/>
+              <a:ea typeface="Roboto"/>
+              <a:cs typeface="Roboto"/>
+              <a:sym typeface="Roboto"/>
+            </a:endParaRPr>
+          </a:p>
+          <a:p>
+            <a:pPr indent="-330200" lvl="0" marL="457200" rtl="0" algn="l">
+              <a:spcBef>
+                <a:spcPts val="0"/>
+              </a:spcBef>
+              <a:spcAft>
+                <a:spcPts val="0"/>
+              </a:spcAft>
+              <a:buClr>
+                <a:schemeClr val="dk2"/>
+              </a:buClr>
+              <a:buSzPts val="1600"/>
+              <a:buFont typeface="Roboto"/>
+              <a:buAutoNum type="arabicPeriod"/>
+            </a:pPr>
+            <a:r>
+              <a:rPr lang="en" sz="1600">
+                <a:solidFill>
+                  <a:schemeClr val="dk2"/>
+                </a:solidFill>
+                <a:latin typeface="Roboto"/>
+                <a:ea typeface="Roboto"/>
+                <a:cs typeface="Roboto"/>
+                <a:sym typeface="Roboto"/>
+              </a:rPr>
+              <a:t>Now, once the whole instrument is set up, let the pendulum swing with small amplitudes.</a:t>
+            </a:r>
+            <a:endParaRPr sz="1600">
+              <a:solidFill>
+                <a:schemeClr val="dk2"/>
+              </a:solidFill>
+              <a:latin typeface="Roboto"/>
+              <a:ea typeface="Roboto"/>
+              <a:cs typeface="Roboto"/>
+              <a:sym typeface="Roboto"/>
+            </a:endParaRPr>
+          </a:p>
+          <a:p>
+            <a:pPr indent="-330200" lvl="0" marL="457200" rtl="0" algn="l">
+              <a:spcBef>
+                <a:spcPts val="0"/>
+              </a:spcBef>
+              <a:spcAft>
+                <a:spcPts val="0"/>
+              </a:spcAft>
+              <a:buClr>
+                <a:schemeClr val="dk2"/>
+              </a:buClr>
+              <a:buSzPts val="1600"/>
+              <a:buFont typeface="Roboto"/>
+              <a:buAutoNum type="arabicPeriod"/>
+            </a:pPr>
+            <a:r>
+              <a:rPr lang="en" sz="1600">
+                <a:solidFill>
+                  <a:schemeClr val="dk2"/>
+                </a:solidFill>
+                <a:latin typeface="Roboto"/>
+                <a:ea typeface="Roboto"/>
+                <a:cs typeface="Roboto"/>
+                <a:sym typeface="Roboto"/>
+              </a:rPr>
+              <a:t>With every oscillation a value of g will be generated in the system. </a:t>
+            </a:r>
+            <a:endParaRPr sz="1600">
+              <a:solidFill>
+                <a:schemeClr val="dk2"/>
+              </a:solidFill>
+              <a:latin typeface="Roboto"/>
+              <a:ea typeface="Roboto"/>
+              <a:cs typeface="Roboto"/>
+              <a:sym typeface="Roboto"/>
+            </a:endParaRPr>
+          </a:p>
+          <a:p>
+            <a:pPr indent="-330200" lvl="0" marL="457200" rtl="0" algn="l">
+              <a:spcBef>
+                <a:spcPts val="0"/>
+              </a:spcBef>
+              <a:spcAft>
+                <a:spcPts val="0"/>
+              </a:spcAft>
+              <a:buClr>
+                <a:schemeClr val="dk2"/>
+              </a:buClr>
+              <a:buSzPts val="1600"/>
+              <a:buFont typeface="Roboto"/>
+              <a:buAutoNum type="arabicPeriod"/>
+            </a:pPr>
+            <a:r>
+              <a:rPr lang="en" sz="1600">
+                <a:solidFill>
+                  <a:schemeClr val="dk2"/>
+                </a:solidFill>
+                <a:latin typeface="Roboto"/>
+                <a:ea typeface="Roboto"/>
+                <a:cs typeface="Roboto"/>
+                <a:sym typeface="Roboto"/>
+              </a:rPr>
+              <a:t>Take mean of all the values to get the experimental value of g.</a:t>
+            </a:r>
+            <a:endParaRPr sz="1600">
+              <a:solidFill>
+                <a:schemeClr val="dk2"/>
+              </a:solidFill>
+              <a:latin typeface="Roboto"/>
+              <a:ea typeface="Roboto"/>
+              <a:cs typeface="Roboto"/>
+              <a:sym typeface="Roboto"/>
+            </a:endParaRPr>
+          </a:p>
+          <a:p>
+            <a:pPr indent="0" lvl="0" marL="457200" rtl="0" algn="l">
+              <a:spcBef>
+                <a:spcPts val="0"/>
+              </a:spcBef>
+              <a:spcAft>
+                <a:spcPts val="0"/>
+              </a:spcAft>
+              <a:buNone/>
+            </a:pPr>
+            <a:r>
+              <a:t/>
+            </a:r>
+            <a:endParaRPr sz="1600">
+              <a:solidFill>
+                <a:schemeClr val="dk2"/>
+              </a:solidFill>
+              <a:latin typeface="Roboto"/>
+              <a:ea typeface="Roboto"/>
+              <a:cs typeface="Roboto"/>
+              <a:sym typeface="Roboto"/>
+            </a:endParaRPr>
           </a:p>
         </p:txBody>
       </p:sp>
@@ -10463,13 +10806,13 @@
           <p:cNvPr id="183" name="Google Shape;183;p26"/>
           <p:cNvSpPr txBox="1"/>
           <p:nvPr>
-            <p:ph type="title"/>
+            <p:ph idx="4294967295" type="body"/>
           </p:nvPr>
         </p:nvSpPr>
         <p:spPr>
           <a:xfrm>
-            <a:off x="311700" y="410000"/>
-            <a:ext cx="8520600" cy="607800"/>
+            <a:off x="861950" y="396750"/>
+            <a:ext cx="6935400" cy="670200"/>
           </a:xfrm>
           <a:prstGeom prst="rect">
             <a:avLst/>
@@ -10481,7 +10824,10 @@
           </a:bodyPr>
           <a:lstStyle/>
           <a:p>
-            <a:pPr indent="0" lvl="0" marL="0" rtl="0" algn="l">
+            <a:pPr indent="0" lvl="0" marL="457200" rtl="0" algn="ctr">
+              <a:lnSpc>
+                <a:spcPct val="100000"/>
+              </a:lnSpc>
               <a:spcBef>
                 <a:spcPts val="0"/>
               </a:spcBef>
@@ -10491,10 +10837,23 @@
               <a:buNone/>
             </a:pPr>
             <a:r>
-              <a:rPr lang="en"/>
-              <a:t>Procedure</a:t>
+              <a:rPr lang="en" sz="3800">
+                <a:solidFill>
+                  <a:schemeClr val="lt1"/>
+                </a:solidFill>
+                <a:latin typeface="Comfortaa"/>
+                <a:ea typeface="Comfortaa"/>
+                <a:cs typeface="Comfortaa"/>
+                <a:sym typeface="Comfortaa"/>
+              </a:rPr>
+              <a:t>Conclusion</a:t>
             </a:r>
-            <a:endParaRPr/>
+            <a:endParaRPr>
+              <a:latin typeface="Comfortaa"/>
+              <a:ea typeface="Comfortaa"/>
+              <a:cs typeface="Comfortaa"/>
+              <a:sym typeface="Comfortaa"/>
+            </a:endParaRPr>
           </a:p>
         </p:txBody>
       </p:sp>
@@ -10502,543 +10861,12 @@
         <p:nvSpPr>
           <p:cNvPr id="184" name="Google Shape;184;p26"/>
           <p:cNvSpPr txBox="1"/>
-          <p:nvPr>
-            <p:ph idx="1" type="body"/>
-          </p:nvPr>
-        </p:nvSpPr>
-        <p:spPr>
-          <a:xfrm>
-            <a:off x="311700" y="2706225"/>
-            <a:ext cx="8520600" cy="3339000"/>
-          </a:xfrm>
-          <a:prstGeom prst="rect">
-            <a:avLst/>
-          </a:prstGeom>
-        </p:spPr>
-        <p:txBody>
-          <a:bodyPr anchorCtr="0" anchor="t" bIns="91425" lIns="91425" spcFirstLastPara="1" rIns="91425" wrap="square" tIns="91425">
-            <a:noAutofit/>
-          </a:bodyPr>
-          <a:lstStyle/>
-          <a:p>
-            <a:pPr indent="0" lvl="0" marL="0" rtl="0" algn="l">
-              <a:lnSpc>
-                <a:spcPct val="140000"/>
-              </a:lnSpc>
-              <a:spcBef>
-                <a:spcPts val="700"/>
-              </a:spcBef>
-              <a:spcAft>
-                <a:spcPts val="0"/>
-              </a:spcAft>
-              <a:buNone/>
-            </a:pPr>
-            <a:r>
-              <a:rPr lang="en" sz="1350">
-                <a:solidFill>
-                  <a:srgbClr val="879191"/>
-                </a:solidFill>
-                <a:highlight>
-                  <a:srgbClr val="FFFFFF"/>
-                </a:highlight>
-                <a:latin typeface="Arial"/>
-                <a:ea typeface="Arial"/>
-                <a:cs typeface="Arial"/>
-                <a:sym typeface="Arial"/>
-              </a:rPr>
-              <a:t>1. CONSTRUCT A FRAME</a:t>
-            </a:r>
-            <a:endParaRPr sz="1350">
-              <a:solidFill>
-                <a:srgbClr val="879191"/>
-              </a:solidFill>
-              <a:highlight>
-                <a:srgbClr val="FFFFFF"/>
-              </a:highlight>
-              <a:latin typeface="Arial"/>
-              <a:ea typeface="Arial"/>
-              <a:cs typeface="Arial"/>
-              <a:sym typeface="Arial"/>
-            </a:endParaRPr>
-          </a:p>
-          <a:p>
-            <a:pPr indent="0" lvl="0" marL="0" rtl="0" algn="l">
-              <a:lnSpc>
-                <a:spcPct val="140000"/>
-              </a:lnSpc>
-              <a:spcBef>
-                <a:spcPts val="700"/>
-              </a:spcBef>
-              <a:spcAft>
-                <a:spcPts val="0"/>
-              </a:spcAft>
-              <a:buNone/>
-            </a:pPr>
-            <a:r>
-              <a:rPr lang="en" sz="1350">
-                <a:solidFill>
-                  <a:srgbClr val="879191"/>
-                </a:solidFill>
-                <a:highlight>
-                  <a:srgbClr val="FFFFFF"/>
-                </a:highlight>
-                <a:latin typeface="Arial"/>
-                <a:ea typeface="Arial"/>
-                <a:cs typeface="Arial"/>
-                <a:sym typeface="Arial"/>
-              </a:rPr>
-              <a:t>A good and strong frame is constructed using wood or other suitable material to hold the pendulum firm, which reduces shake and thus reduces errors.</a:t>
-            </a:r>
-            <a:endParaRPr sz="1350">
-              <a:solidFill>
-                <a:srgbClr val="879191"/>
-              </a:solidFill>
-              <a:highlight>
-                <a:srgbClr val="FFFFFF"/>
-              </a:highlight>
-              <a:latin typeface="Arial"/>
-              <a:ea typeface="Arial"/>
-              <a:cs typeface="Arial"/>
-              <a:sym typeface="Arial"/>
-            </a:endParaRPr>
-          </a:p>
-          <a:p>
-            <a:pPr indent="0" lvl="0" marL="0" rtl="0" algn="l">
-              <a:lnSpc>
-                <a:spcPct val="140000"/>
-              </a:lnSpc>
-              <a:spcBef>
-                <a:spcPts val="700"/>
-              </a:spcBef>
-              <a:spcAft>
-                <a:spcPts val="0"/>
-              </a:spcAft>
-              <a:buNone/>
-            </a:pPr>
-            <a:r>
-              <a:rPr lang="en" sz="1350">
-                <a:solidFill>
-                  <a:srgbClr val="879191"/>
-                </a:solidFill>
-                <a:highlight>
-                  <a:srgbClr val="FFFFFF"/>
-                </a:highlight>
-                <a:latin typeface="Arial"/>
-                <a:ea typeface="Arial"/>
-                <a:cs typeface="Arial"/>
-                <a:sym typeface="Arial"/>
-              </a:rPr>
-              <a:t>2. SIMPLE PENDULUM</a:t>
-            </a:r>
-            <a:endParaRPr sz="1350">
-              <a:solidFill>
-                <a:srgbClr val="879191"/>
-              </a:solidFill>
-              <a:highlight>
-                <a:srgbClr val="FFFFFF"/>
-              </a:highlight>
-              <a:latin typeface="Arial"/>
-              <a:ea typeface="Arial"/>
-              <a:cs typeface="Arial"/>
-              <a:sym typeface="Arial"/>
-            </a:endParaRPr>
-          </a:p>
-          <a:p>
-            <a:pPr indent="0" lvl="0" marL="0" rtl="0" algn="l">
-              <a:lnSpc>
-                <a:spcPct val="140000"/>
-              </a:lnSpc>
-              <a:spcBef>
-                <a:spcPts val="700"/>
-              </a:spcBef>
-              <a:spcAft>
-                <a:spcPts val="0"/>
-              </a:spcAft>
-              <a:buNone/>
-            </a:pPr>
-            <a:r>
-              <a:rPr lang="en" sz="1350">
-                <a:solidFill>
-                  <a:srgbClr val="879191"/>
-                </a:solidFill>
-                <a:highlight>
-                  <a:srgbClr val="FFFFFF"/>
-                </a:highlight>
-                <a:latin typeface="Arial"/>
-                <a:ea typeface="Arial"/>
-                <a:cs typeface="Arial"/>
-                <a:sym typeface="Arial"/>
-              </a:rPr>
-              <a:t>A simple pendulum of suitable length (~15 cm) is made using a bob and a massless inextensible string.</a:t>
-            </a:r>
-            <a:endParaRPr sz="1350">
-              <a:solidFill>
-                <a:srgbClr val="879191"/>
-              </a:solidFill>
-              <a:highlight>
-                <a:srgbClr val="FFFFFF"/>
-              </a:highlight>
-              <a:latin typeface="Arial"/>
-              <a:ea typeface="Arial"/>
-              <a:cs typeface="Arial"/>
-              <a:sym typeface="Arial"/>
-            </a:endParaRPr>
-          </a:p>
-          <a:p>
-            <a:pPr indent="0" lvl="0" marL="0" rtl="0" algn="l">
-              <a:lnSpc>
-                <a:spcPct val="140000"/>
-              </a:lnSpc>
-              <a:spcBef>
-                <a:spcPts val="700"/>
-              </a:spcBef>
-              <a:spcAft>
-                <a:spcPts val="0"/>
-              </a:spcAft>
-              <a:buNone/>
-            </a:pPr>
-            <a:r>
-              <a:rPr lang="en" sz="1350">
-                <a:solidFill>
-                  <a:srgbClr val="879191"/>
-                </a:solidFill>
-                <a:highlight>
-                  <a:srgbClr val="FFFFFF"/>
-                </a:highlight>
-                <a:latin typeface="Arial"/>
-                <a:ea typeface="Arial"/>
-                <a:cs typeface="Arial"/>
-                <a:sym typeface="Arial"/>
-              </a:rPr>
-              <a:t>3. SENSOR</a:t>
-            </a:r>
-            <a:endParaRPr sz="1350">
-              <a:solidFill>
-                <a:srgbClr val="879191"/>
-              </a:solidFill>
-              <a:highlight>
-                <a:srgbClr val="FFFFFF"/>
-              </a:highlight>
-              <a:latin typeface="Arial"/>
-              <a:ea typeface="Arial"/>
-              <a:cs typeface="Arial"/>
-              <a:sym typeface="Arial"/>
-            </a:endParaRPr>
-          </a:p>
-          <a:p>
-            <a:pPr indent="0" lvl="0" marL="0" rtl="0" algn="l">
-              <a:lnSpc>
-                <a:spcPct val="140000"/>
-              </a:lnSpc>
-              <a:spcBef>
-                <a:spcPts val="700"/>
-              </a:spcBef>
-              <a:spcAft>
-                <a:spcPts val="0"/>
-              </a:spcAft>
-              <a:buNone/>
-            </a:pPr>
-            <a:r>
-              <a:rPr lang="en" sz="1350">
-                <a:solidFill>
-                  <a:srgbClr val="879191"/>
-                </a:solidFill>
-                <a:highlight>
-                  <a:srgbClr val="FFFFFF"/>
-                </a:highlight>
-                <a:latin typeface="Arial"/>
-                <a:ea typeface="Arial"/>
-                <a:cs typeface="Arial"/>
-                <a:sym typeface="Arial"/>
-              </a:rPr>
-              <a:t>Place the IR sensor at the suitable distance below or beside the bob of simple pendulum so as to get the maximum accuracy in measurement. The accuracy is verified for various baud rates of microcontroller.</a:t>
-            </a:r>
-            <a:endParaRPr sz="1350">
-              <a:solidFill>
-                <a:srgbClr val="879191"/>
-              </a:solidFill>
-              <a:highlight>
-                <a:srgbClr val="FFFFFF"/>
-              </a:highlight>
-              <a:latin typeface="Arial"/>
-              <a:ea typeface="Arial"/>
-              <a:cs typeface="Arial"/>
-              <a:sym typeface="Arial"/>
-            </a:endParaRPr>
-          </a:p>
-          <a:p>
-            <a:pPr indent="0" lvl="0" marL="0" rtl="0" algn="l">
-              <a:lnSpc>
-                <a:spcPct val="140000"/>
-              </a:lnSpc>
-              <a:spcBef>
-                <a:spcPts val="700"/>
-              </a:spcBef>
-              <a:spcAft>
-                <a:spcPts val="0"/>
-              </a:spcAft>
-              <a:buNone/>
-            </a:pPr>
-            <a:r>
-              <a:rPr lang="en" sz="1350">
-                <a:solidFill>
-                  <a:srgbClr val="879191"/>
-                </a:solidFill>
-                <a:highlight>
-                  <a:srgbClr val="FFFFFF"/>
-                </a:highlight>
-                <a:latin typeface="Arial"/>
-                <a:ea typeface="Arial"/>
-                <a:cs typeface="Arial"/>
-                <a:sym typeface="Arial"/>
-              </a:rPr>
-              <a:t>And this is how the sensor works, in an oscillation whenever the bob covers the IR sensor it will return a value 0 to the microcontroller otherwise it will return 1 to the microcontroller.</a:t>
-            </a:r>
-            <a:endParaRPr sz="1350">
-              <a:solidFill>
-                <a:srgbClr val="879191"/>
-              </a:solidFill>
-              <a:highlight>
-                <a:srgbClr val="FFFFFF"/>
-              </a:highlight>
-              <a:latin typeface="Arial"/>
-              <a:ea typeface="Arial"/>
-              <a:cs typeface="Arial"/>
-              <a:sym typeface="Arial"/>
-            </a:endParaRPr>
-          </a:p>
-          <a:p>
-            <a:pPr indent="0" lvl="0" marL="0" rtl="0" algn="l">
-              <a:lnSpc>
-                <a:spcPct val="140000"/>
-              </a:lnSpc>
-              <a:spcBef>
-                <a:spcPts val="700"/>
-              </a:spcBef>
-              <a:spcAft>
-                <a:spcPts val="0"/>
-              </a:spcAft>
-              <a:buNone/>
-            </a:pPr>
-            <a:r>
-              <a:rPr lang="en" sz="1350">
-                <a:solidFill>
-                  <a:srgbClr val="879191"/>
-                </a:solidFill>
-                <a:highlight>
-                  <a:srgbClr val="FFFFFF"/>
-                </a:highlight>
-                <a:latin typeface="Arial"/>
-                <a:ea typeface="Arial"/>
-                <a:cs typeface="Arial"/>
-                <a:sym typeface="Arial"/>
-              </a:rPr>
-              <a:t>4. ARDUINO UNO</a:t>
-            </a:r>
-            <a:endParaRPr sz="1350">
-              <a:solidFill>
-                <a:srgbClr val="879191"/>
-              </a:solidFill>
-              <a:highlight>
-                <a:srgbClr val="FFFFFF"/>
-              </a:highlight>
-              <a:latin typeface="Arial"/>
-              <a:ea typeface="Arial"/>
-              <a:cs typeface="Arial"/>
-              <a:sym typeface="Arial"/>
-            </a:endParaRPr>
-          </a:p>
-          <a:p>
-            <a:pPr indent="0" lvl="0" marL="0" rtl="0" algn="l">
-              <a:lnSpc>
-                <a:spcPct val="140000"/>
-              </a:lnSpc>
-              <a:spcBef>
-                <a:spcPts val="700"/>
-              </a:spcBef>
-              <a:spcAft>
-                <a:spcPts val="0"/>
-              </a:spcAft>
-              <a:buNone/>
-            </a:pPr>
-            <a:r>
-              <a:rPr lang="en" sz="1350">
-                <a:solidFill>
-                  <a:srgbClr val="879191"/>
-                </a:solidFill>
-                <a:highlight>
-                  <a:srgbClr val="FFFFFF"/>
-                </a:highlight>
-                <a:latin typeface="Arial"/>
-                <a:ea typeface="Arial"/>
-                <a:cs typeface="Arial"/>
-                <a:sym typeface="Arial"/>
-              </a:rPr>
-              <a:t>Arduino Uno is the brain of this project, it reads the value from the IR proximity sensor and the measure the time between two consecutive 0 values, is the half of time period. For each half oscillation it calculates the value of ‘g’ and by adding the consecutive ‘g’ values of two half oscillations the mean value of ‘g’ for one oscillation is found. As the oscillations proceed the amplitude of oscillations goes on decreasing. By the data collected using IR sensor a real time damping curve is drawn.</a:t>
-            </a:r>
-            <a:endParaRPr sz="1350">
-              <a:solidFill>
-                <a:srgbClr val="879191"/>
-              </a:solidFill>
-              <a:highlight>
-                <a:srgbClr val="FFFFFF"/>
-              </a:highlight>
-              <a:latin typeface="Arial"/>
-              <a:ea typeface="Arial"/>
-              <a:cs typeface="Arial"/>
-              <a:sym typeface="Arial"/>
-            </a:endParaRPr>
-          </a:p>
-          <a:p>
-            <a:pPr indent="0" lvl="0" marL="0" rtl="0" algn="l">
-              <a:lnSpc>
-                <a:spcPct val="140000"/>
-              </a:lnSpc>
-              <a:spcBef>
-                <a:spcPts val="700"/>
-              </a:spcBef>
-              <a:spcAft>
-                <a:spcPts val="0"/>
-              </a:spcAft>
-              <a:buNone/>
-            </a:pPr>
-            <a:r>
-              <a:rPr lang="en" sz="1350">
-                <a:solidFill>
-                  <a:srgbClr val="879191"/>
-                </a:solidFill>
-                <a:highlight>
-                  <a:srgbClr val="FFFFFF"/>
-                </a:highlight>
-                <a:latin typeface="Arial"/>
-                <a:ea typeface="Arial"/>
-                <a:cs typeface="Arial"/>
-                <a:sym typeface="Arial"/>
-              </a:rPr>
-              <a:t>5. CODE</a:t>
-            </a:r>
-            <a:endParaRPr sz="1350">
-              <a:solidFill>
-                <a:srgbClr val="879191"/>
-              </a:solidFill>
-              <a:highlight>
-                <a:srgbClr val="FFFFFF"/>
-              </a:highlight>
-              <a:latin typeface="Arial"/>
-              <a:ea typeface="Arial"/>
-              <a:cs typeface="Arial"/>
-              <a:sym typeface="Arial"/>
-            </a:endParaRPr>
-          </a:p>
-          <a:p>
-            <a:pPr indent="0" lvl="0" marL="0" rtl="0" algn="l">
-              <a:lnSpc>
-                <a:spcPct val="140000"/>
-              </a:lnSpc>
-              <a:spcBef>
-                <a:spcPts val="700"/>
-              </a:spcBef>
-              <a:spcAft>
-                <a:spcPts val="0"/>
-              </a:spcAft>
-              <a:buNone/>
-            </a:pPr>
-            <a:r>
-              <a:rPr lang="en" sz="1350">
-                <a:solidFill>
-                  <a:srgbClr val="879191"/>
-                </a:solidFill>
-                <a:highlight>
-                  <a:srgbClr val="FFFFFF"/>
-                </a:highlight>
-                <a:latin typeface="Arial"/>
-                <a:ea typeface="Arial"/>
-                <a:cs typeface="Arial"/>
-                <a:sym typeface="Arial"/>
-              </a:rPr>
-              <a:t>Arduino uses C/C++ code with its own slight modifications. Code has two parts, the major part is to analyze sensor and all determines whether the bob is in the mean position or not. digitalRead() function is used to read the sensor data. If the value is 0 the bob is in the mean position and if 1 it is not. The micros()function is used to measure the time period.</a:t>
-            </a:r>
-            <a:endParaRPr sz="1350">
-              <a:solidFill>
-                <a:srgbClr val="879191"/>
-              </a:solidFill>
-              <a:highlight>
-                <a:srgbClr val="FFFFFF"/>
-              </a:highlight>
-              <a:latin typeface="Arial"/>
-              <a:ea typeface="Arial"/>
-              <a:cs typeface="Arial"/>
-              <a:sym typeface="Arial"/>
-            </a:endParaRPr>
-          </a:p>
-          <a:p>
-            <a:pPr indent="0" lvl="0" marL="0" rtl="0" algn="l">
-              <a:lnSpc>
-                <a:spcPct val="140000"/>
-              </a:lnSpc>
-              <a:spcBef>
-                <a:spcPts val="700"/>
-              </a:spcBef>
-              <a:spcAft>
-                <a:spcPts val="0"/>
-              </a:spcAft>
-              <a:buNone/>
-            </a:pPr>
-            <a:r>
-              <a:rPr lang="en" sz="1350">
-                <a:solidFill>
-                  <a:srgbClr val="879191"/>
-                </a:solidFill>
-                <a:highlight>
-                  <a:srgbClr val="FFFFFF"/>
-                </a:highlight>
-                <a:latin typeface="Arial"/>
-                <a:ea typeface="Arial"/>
-                <a:cs typeface="Arial"/>
-                <a:sym typeface="Arial"/>
-              </a:rPr>
-              <a:t>Using the Serial.println()function the value of ‘g’ is printed and a real time damping curve is drawn in the serial plotter.</a:t>
-            </a:r>
-            <a:endParaRPr sz="1350">
-              <a:solidFill>
-                <a:srgbClr val="879191"/>
-              </a:solidFill>
-              <a:highlight>
-                <a:srgbClr val="FFFFFF"/>
-              </a:highlight>
-              <a:latin typeface="Arial"/>
-              <a:ea typeface="Arial"/>
-              <a:cs typeface="Arial"/>
-              <a:sym typeface="Arial"/>
-            </a:endParaRPr>
-          </a:p>
-          <a:p>
-            <a:pPr indent="0" lvl="0" marL="0" rtl="0" algn="l">
-              <a:spcBef>
-                <a:spcPts val="700"/>
-              </a:spcBef>
-              <a:spcAft>
-                <a:spcPts val="1600"/>
-              </a:spcAft>
-              <a:buNone/>
-            </a:pPr>
-            <a:r>
-              <a:t/>
-            </a:r>
-            <a:endParaRPr/>
-          </a:p>
-        </p:txBody>
-      </p:sp>
-      <p:sp>
-        <p:nvSpPr>
-          <p:cNvPr id="185" name="Google Shape;185;p26"/>
-          <p:cNvSpPr txBox="1"/>
           <p:nvPr/>
         </p:nvSpPr>
         <p:spPr>
           <a:xfrm>
-            <a:off x="457350" y="1146250"/>
-            <a:ext cx="8084100" cy="1297200"/>
+            <a:off x="563850" y="1313225"/>
+            <a:ext cx="8016300" cy="2010900"/>
           </a:xfrm>
           <a:prstGeom prst="rect">
             <a:avLst/>
@@ -11054,27 +10882,60 @@
           </a:bodyPr>
           <a:lstStyle/>
           <a:p>
-            <a:pPr indent="-317500" lvl="0" marL="457200" rtl="0" algn="l">
-              <a:spcBef>
-                <a:spcPts val="0"/>
-              </a:spcBef>
-              <a:spcAft>
-                <a:spcPts val="0"/>
-              </a:spcAft>
-              <a:buSzPts val="1400"/>
+            <a:pPr indent="-342900" lvl="0" marL="457200" rtl="0" algn="l">
+              <a:spcBef>
+                <a:spcPts val="0"/>
+              </a:spcBef>
+              <a:spcAft>
+                <a:spcPts val="0"/>
+              </a:spcAft>
+              <a:buClr>
+                <a:schemeClr val="dk2"/>
+              </a:buClr>
+              <a:buSzPts val="1800"/>
               <a:buFont typeface="Roboto"/>
-              <a:buAutoNum type="arabicPeriod"/>
+              <a:buChar char="➔"/>
             </a:pPr>
             <a:r>
-              <a:rPr lang="en">
+              <a:rPr lang="en" sz="1800">
+                <a:solidFill>
+                  <a:schemeClr val="dk2"/>
+                </a:solidFill>
                 <a:latin typeface="Roboto"/>
                 <a:ea typeface="Roboto"/>
                 <a:cs typeface="Roboto"/>
                 <a:sym typeface="Roboto"/>
               </a:rPr>
-              <a:t>Construct a frame</a:t>
+              <a:t>The Semi-automated Model based on proximity IR sensor with Arduino Uno, leads to easier and fast way to perform the physics lab experiment “</a:t>
             </a:r>
-            <a:endParaRPr>
+            <a:r>
+              <a:rPr b="1" lang="en" sz="1800">
+                <a:solidFill>
+                  <a:schemeClr val="dk2"/>
+                </a:solidFill>
+                <a:latin typeface="Roboto"/>
+                <a:ea typeface="Roboto"/>
+                <a:cs typeface="Roboto"/>
+                <a:sym typeface="Roboto"/>
+              </a:rPr>
+              <a:t>calculating g using a pendulum</a:t>
+            </a:r>
+            <a:r>
+              <a:rPr lang="en" sz="1800">
+                <a:solidFill>
+                  <a:schemeClr val="dk2"/>
+                </a:solidFill>
+                <a:latin typeface="Roboto"/>
+                <a:ea typeface="Roboto"/>
+                <a:cs typeface="Roboto"/>
+                <a:sym typeface="Roboto"/>
+              </a:rPr>
+              <a:t>”.</a:t>
+            </a:r>
+            <a:endParaRPr sz="1800">
+              <a:solidFill>
+                <a:schemeClr val="dk2"/>
+              </a:solidFill>
               <a:latin typeface="Roboto"/>
               <a:ea typeface="Roboto"/>
               <a:cs typeface="Roboto"/>
@@ -11082,7 +10943,70 @@
             </a:endParaRPr>
           </a:p>
           <a:p>
-            <a:pPr indent="0" lvl="0" marL="457200" rtl="0" algn="l">
+            <a:pPr indent="-342900" lvl="0" marL="457200" rtl="0" algn="l">
+              <a:lnSpc>
+                <a:spcPct val="115000"/>
+              </a:lnSpc>
+              <a:spcBef>
+                <a:spcPts val="1000"/>
+              </a:spcBef>
+              <a:spcAft>
+                <a:spcPts val="0"/>
+              </a:spcAft>
+              <a:buClr>
+                <a:schemeClr val="dk2"/>
+              </a:buClr>
+              <a:buSzPts val="1800"/>
+              <a:buFont typeface="Roboto"/>
+              <a:buChar char="➔"/>
+            </a:pPr>
+            <a:r>
+              <a:rPr lang="en" sz="1800">
+                <a:solidFill>
+                  <a:schemeClr val="dk2"/>
+                </a:solidFill>
+                <a:latin typeface="Roboto"/>
+                <a:ea typeface="Roboto"/>
+                <a:cs typeface="Roboto"/>
+                <a:sym typeface="Roboto"/>
+              </a:rPr>
+              <a:t>With the added factor of less human interaction, the model has lesser number of human errors as compare to the manual approach.</a:t>
+            </a:r>
+            <a:endParaRPr sz="1800">
+              <a:solidFill>
+                <a:schemeClr val="dk2"/>
+              </a:solidFill>
+              <a:latin typeface="Roboto"/>
+              <a:ea typeface="Roboto"/>
+              <a:cs typeface="Roboto"/>
+              <a:sym typeface="Roboto"/>
+            </a:endParaRPr>
+          </a:p>
+          <a:p>
+            <a:pPr indent="0" lvl="0" marL="0" rtl="0" algn="l">
+              <a:spcBef>
+                <a:spcPts val="1600"/>
+              </a:spcBef>
+              <a:spcAft>
+                <a:spcPts val="0"/>
+              </a:spcAft>
+              <a:buNone/>
+            </a:pPr>
+            <a:r>
+              <a:t/>
+            </a:r>
+            <a:endParaRPr sz="3800">
+              <a:solidFill>
+                <a:schemeClr val="lt1"/>
+              </a:solidFill>
+              <a:latin typeface="Roboto"/>
+              <a:ea typeface="Roboto"/>
+              <a:cs typeface="Roboto"/>
+              <a:sym typeface="Roboto"/>
+            </a:endParaRPr>
+          </a:p>
+          <a:p>
+            <a:pPr indent="0" lvl="0" marL="0" rtl="0" algn="l">
               <a:spcBef>
                 <a:spcPts val="0"/>
               </a:spcBef>
@@ -11116,7 +11040,7 @@
   <p:cSld>
     <p:spTree>
       <p:nvGrpSpPr>
-        <p:cNvPr id="189" name="Shape 189"/>
+        <p:cNvPr id="188" name="Shape 188"/>
         <p:cNvGrpSpPr/>
         <p:nvPr/>
       </p:nvGrpSpPr>
@@ -11130,249 +11054,7 @@
       </p:grpSpPr>
       <p:sp>
         <p:nvSpPr>
-          <p:cNvPr id="190" name="Google Shape;190;p27"/>
-          <p:cNvSpPr txBox="1"/>
-          <p:nvPr>
-            <p:ph idx="4294967295" type="body"/>
-          </p:nvPr>
-        </p:nvSpPr>
-        <p:spPr>
-          <a:xfrm>
-            <a:off x="861950" y="396750"/>
-            <a:ext cx="6935400" cy="670200"/>
-          </a:xfrm>
-          <a:prstGeom prst="rect">
-            <a:avLst/>
-          </a:prstGeom>
-        </p:spPr>
-        <p:txBody>
-          <a:bodyPr anchorCtr="0" anchor="t" bIns="91425" lIns="91425" spcFirstLastPara="1" rIns="91425" wrap="square" tIns="91425">
-            <a:noAutofit/>
-          </a:bodyPr>
-          <a:lstStyle/>
-          <a:p>
-            <a:pPr indent="0" lvl="0" marL="457200" rtl="0" algn="ctr">
-              <a:lnSpc>
-                <a:spcPct val="100000"/>
-              </a:lnSpc>
-              <a:spcBef>
-                <a:spcPts val="0"/>
-              </a:spcBef>
-              <a:spcAft>
-                <a:spcPts val="0"/>
-              </a:spcAft>
-              <a:buNone/>
-            </a:pPr>
-            <a:r>
-              <a:rPr lang="en" sz="3800">
-                <a:solidFill>
-                  <a:schemeClr val="lt1"/>
-                </a:solidFill>
-              </a:rPr>
-              <a:t>Conclusion</a:t>
-            </a:r>
-            <a:endParaRPr/>
-          </a:p>
-        </p:txBody>
-      </p:sp>
-      <p:sp>
-        <p:nvSpPr>
-          <p:cNvPr id="191" name="Google Shape;191;p27"/>
-          <p:cNvSpPr txBox="1"/>
-          <p:nvPr/>
-        </p:nvSpPr>
-        <p:spPr>
-          <a:xfrm>
-            <a:off x="563850" y="1313225"/>
-            <a:ext cx="8016300" cy="2010900"/>
-          </a:xfrm>
-          <a:prstGeom prst="rect">
-            <a:avLst/>
-          </a:prstGeom>
-          <a:noFill/>
-          <a:ln>
-            <a:noFill/>
-          </a:ln>
-        </p:spPr>
-        <p:txBody>
-          <a:bodyPr anchorCtr="0" anchor="t" bIns="91425" lIns="91425" spcFirstLastPara="1" rIns="91425" wrap="square" tIns="91425">
-            <a:noAutofit/>
-          </a:bodyPr>
-          <a:lstStyle/>
-          <a:p>
-            <a:pPr indent="-342900" lvl="0" marL="457200" rtl="0" algn="l">
-              <a:spcBef>
-                <a:spcPts val="0"/>
-              </a:spcBef>
-              <a:spcAft>
-                <a:spcPts val="0"/>
-              </a:spcAft>
-              <a:buClr>
-                <a:schemeClr val="dk2"/>
-              </a:buClr>
-              <a:buSzPts val="1800"/>
-              <a:buFont typeface="Roboto"/>
-              <a:buChar char="➔"/>
-            </a:pPr>
-            <a:r>
-              <a:rPr lang="en" sz="1800">
-                <a:solidFill>
-                  <a:schemeClr val="dk2"/>
-                </a:solidFill>
-                <a:latin typeface="Roboto"/>
-                <a:ea typeface="Roboto"/>
-                <a:cs typeface="Roboto"/>
-                <a:sym typeface="Roboto"/>
-              </a:rPr>
-              <a:t>The Semi-automated Model based on proximity IR sensor with Arduino Uno, leads to easier and fast way to perform the physics lab experiment “</a:t>
-            </a:r>
-            <a:r>
-              <a:rPr b="1" lang="en" sz="1800">
-                <a:solidFill>
-                  <a:schemeClr val="dk2"/>
-                </a:solidFill>
-                <a:latin typeface="Roboto"/>
-                <a:ea typeface="Roboto"/>
-                <a:cs typeface="Roboto"/>
-                <a:sym typeface="Roboto"/>
-              </a:rPr>
-              <a:t>calculating g using a pendulum</a:t>
-            </a:r>
-            <a:r>
-              <a:rPr lang="en" sz="1800">
-                <a:solidFill>
-                  <a:schemeClr val="dk2"/>
-                </a:solidFill>
-                <a:latin typeface="Roboto"/>
-                <a:ea typeface="Roboto"/>
-                <a:cs typeface="Roboto"/>
-                <a:sym typeface="Roboto"/>
-              </a:rPr>
-              <a:t>”.</a:t>
-            </a:r>
-            <a:endParaRPr sz="1800">
-              <a:solidFill>
-                <a:schemeClr val="dk2"/>
-              </a:solidFill>
-              <a:latin typeface="Roboto"/>
-              <a:ea typeface="Roboto"/>
-              <a:cs typeface="Roboto"/>
-              <a:sym typeface="Roboto"/>
-            </a:endParaRPr>
-          </a:p>
-          <a:p>
-            <a:pPr indent="-342900" lvl="0" marL="457200" rtl="0" algn="l">
-              <a:lnSpc>
-                <a:spcPct val="115000"/>
-              </a:lnSpc>
-              <a:spcBef>
-                <a:spcPts val="1000"/>
-              </a:spcBef>
-              <a:spcAft>
-                <a:spcPts val="0"/>
-              </a:spcAft>
-              <a:buClr>
-                <a:schemeClr val="dk2"/>
-              </a:buClr>
-              <a:buSzPts val="1800"/>
-              <a:buFont typeface="Roboto"/>
-              <a:buChar char="➔"/>
-            </a:pPr>
-            <a:r>
-              <a:rPr lang="en" sz="1800">
-                <a:solidFill>
-                  <a:schemeClr val="dk2"/>
-                </a:solidFill>
-                <a:latin typeface="Roboto"/>
-                <a:ea typeface="Roboto"/>
-                <a:cs typeface="Roboto"/>
-                <a:sym typeface="Roboto"/>
-              </a:rPr>
-              <a:t>With the added factor of less human interaction, the model has lesser number of human errors as compare to the manual approach.</a:t>
-            </a:r>
-            <a:endParaRPr sz="1800">
-              <a:solidFill>
-                <a:schemeClr val="dk2"/>
-              </a:solidFill>
-              <a:latin typeface="Roboto"/>
-              <a:ea typeface="Roboto"/>
-              <a:cs typeface="Roboto"/>
-              <a:sym typeface="Roboto"/>
-            </a:endParaRPr>
-          </a:p>
-          <a:p>
-            <a:pPr indent="0" lvl="0" marL="0" rtl="0" algn="l">
-              <a:spcBef>
-                <a:spcPts val="1600"/>
-              </a:spcBef>
-              <a:spcAft>
-                <a:spcPts val="0"/>
-              </a:spcAft>
-              <a:buNone/>
-            </a:pPr>
-            <a:r>
-              <a:t/>
-            </a:r>
-            <a:endParaRPr sz="3800">
-              <a:solidFill>
-                <a:schemeClr val="lt1"/>
-              </a:solidFill>
-              <a:latin typeface="Roboto"/>
-              <a:ea typeface="Roboto"/>
-              <a:cs typeface="Roboto"/>
-              <a:sym typeface="Roboto"/>
-            </a:endParaRPr>
-          </a:p>
-          <a:p>
-            <a:pPr indent="0" lvl="0" marL="0" rtl="0" algn="l">
-              <a:spcBef>
-                <a:spcPts val="0"/>
-              </a:spcBef>
-              <a:spcAft>
-                <a:spcPts val="0"/>
-              </a:spcAft>
-              <a:buNone/>
-            </a:pPr>
-            <a:r>
-              <a:t/>
-            </a:r>
-            <a:endParaRPr>
-              <a:latin typeface="Roboto"/>
-              <a:ea typeface="Roboto"/>
-              <a:cs typeface="Roboto"/>
-              <a:sym typeface="Roboto"/>
-            </a:endParaRPr>
-          </a:p>
-        </p:txBody>
-      </p:sp>
-    </p:spTree>
-  </p:cSld>
-  <p:clrMapOvr>
-    <a:masterClrMapping/>
-  </p:clrMapOvr>
-</p:sld>
-</file>
-
-<file path=ppt/slides/slide16.xml><?xml version="1.0" encoding="utf-8"?>
-<p:sld xmlns:a="http://schemas.openxmlformats.org/drawingml/2006/main" xmlns:r="http://schemas.openxmlformats.org/officeDocument/2006/relationships" xmlns:mc="http://schemas.openxmlformats.org/markup-compatibility/2006" xmlns:mv="urn:schemas-microsoft-com:mac:vml" xmlns:p="http://schemas.openxmlformats.org/presentationml/2006/main" xmlns:c="http://schemas.openxmlformats.org/drawingml/2006/chart" xmlns:dgm="http://schemas.openxmlformats.org/drawingml/2006/diagram" xmlns:o="urn:schemas-microsoft-com:office:office" xmlns:v="urn:schemas-microsoft-com:vml" xmlns:pvml="urn:schemas-microsoft-com:office:powerpoint" xmlns:com="http://schemas.openxmlformats.org/drawingml/2006/compatibility" xmlns:p14="http://schemas.microsoft.com/office/powerpoint/2010/main" xmlns:p15="http://schemas.microsoft.com/office/powerpoint/2012/main">
-  <p:cSld>
-    <p:spTree>
-      <p:nvGrpSpPr>
-        <p:cNvPr id="195" name="Shape 195"/>
-        <p:cNvGrpSpPr/>
-        <p:nvPr/>
-      </p:nvGrpSpPr>
-      <p:grpSpPr>
-        <a:xfrm>
-          <a:off x="0" y="0"/>
-          <a:ext cx="0" cy="0"/>
-          <a:chOff x="0" y="0"/>
-          <a:chExt cx="0" cy="0"/>
-        </a:xfrm>
-      </p:grpSpPr>
-      <p:sp>
-        <p:nvSpPr>
-          <p:cNvPr id="196" name="Google Shape;196;p28"/>
+          <p:cNvPr id="189" name="Google Shape;189;p27"/>
           <p:cNvSpPr txBox="1"/>
           <p:nvPr>
             <p:ph type="ctrTitle"/>
@@ -11403,16 +11085,26 @@
               <a:buNone/>
             </a:pPr>
             <a:r>
-              <a:rPr lang="en"/>
+              <a:rPr lang="en">
+                <a:latin typeface="Comfortaa"/>
+                <a:ea typeface="Comfortaa"/>
+                <a:cs typeface="Comfortaa"/>
+                <a:sym typeface="Comfortaa"/>
+              </a:rPr>
               <a:t>References</a:t>
             </a:r>
-            <a:endParaRPr/>
+            <a:endParaRPr>
+              <a:latin typeface="Comfortaa"/>
+              <a:ea typeface="Comfortaa"/>
+              <a:cs typeface="Comfortaa"/>
+              <a:sym typeface="Comfortaa"/>
+            </a:endParaRPr>
           </a:p>
         </p:txBody>
       </p:sp>
       <p:sp>
         <p:nvSpPr>
-          <p:cNvPr id="197" name="Google Shape;197;p28"/>
+          <p:cNvPr id="190" name="Google Shape;190;p27"/>
           <p:cNvSpPr txBox="1"/>
           <p:nvPr>
             <p:ph idx="1" type="subTitle"/>
@@ -11492,6 +11184,81 @@
               <a:t>Google Search</a:t>
             </a:r>
             <a:endParaRPr sz="1800" u="sng"/>
+          </a:p>
+        </p:txBody>
+      </p:sp>
+    </p:spTree>
+  </p:cSld>
+  <p:clrMapOvr>
+    <a:masterClrMapping/>
+  </p:clrMapOvr>
+</p:sld>
+</file>
+
+<file path=ppt/slides/slide16.xml><?xml version="1.0" encoding="utf-8"?>
+<p:sld xmlns:a="http://schemas.openxmlformats.org/drawingml/2006/main" xmlns:r="http://schemas.openxmlformats.org/officeDocument/2006/relationships" xmlns:mc="http://schemas.openxmlformats.org/markup-compatibility/2006" xmlns:mv="urn:schemas-microsoft-com:mac:vml" xmlns:p="http://schemas.openxmlformats.org/presentationml/2006/main" xmlns:c="http://schemas.openxmlformats.org/drawingml/2006/chart" xmlns:dgm="http://schemas.openxmlformats.org/drawingml/2006/diagram" xmlns:o="urn:schemas-microsoft-com:office:office" xmlns:v="urn:schemas-microsoft-com:vml" xmlns:pvml="urn:schemas-microsoft-com:office:powerpoint" xmlns:com="http://schemas.openxmlformats.org/drawingml/2006/compatibility" xmlns:p14="http://schemas.microsoft.com/office/powerpoint/2010/main" xmlns:p15="http://schemas.microsoft.com/office/powerpoint/2012/main">
+  <p:cSld>
+    <p:spTree>
+      <p:nvGrpSpPr>
+        <p:cNvPr id="194" name="Shape 194"/>
+        <p:cNvGrpSpPr/>
+        <p:nvPr/>
+      </p:nvGrpSpPr>
+      <p:grpSpPr>
+        <a:xfrm>
+          <a:off x="0" y="0"/>
+          <a:ext cx="0" cy="0"/>
+          <a:chOff x="0" y="0"/>
+          <a:chExt cx="0" cy="0"/>
+        </a:xfrm>
+      </p:grpSpPr>
+      <p:sp>
+        <p:nvSpPr>
+          <p:cNvPr id="195" name="Google Shape;195;p28"/>
+          <p:cNvSpPr txBox="1"/>
+          <p:nvPr>
+            <p:ph type="ctrTitle"/>
+          </p:nvPr>
+        </p:nvSpPr>
+        <p:spPr>
+          <a:xfrm>
+            <a:off x="460950" y="2152347"/>
+            <a:ext cx="8222100" cy="838800"/>
+          </a:xfrm>
+          <a:prstGeom prst="rect">
+            <a:avLst/>
+          </a:prstGeom>
+        </p:spPr>
+        <p:txBody>
+          <a:bodyPr anchorCtr="0" anchor="b" bIns="91425" lIns="91425" spcFirstLastPara="1" rIns="91425" wrap="square" tIns="91425">
+            <a:noAutofit/>
+          </a:bodyPr>
+          <a:lstStyle/>
+          <a:p>
+            <a:pPr indent="0" lvl="0" marL="0" rtl="0" algn="ctr">
+              <a:spcBef>
+                <a:spcPts val="0"/>
+              </a:spcBef>
+              <a:spcAft>
+                <a:spcPts val="0"/>
+              </a:spcAft>
+              <a:buNone/>
+            </a:pPr>
+            <a:r>
+              <a:rPr lang="en" sz="5000">
+                <a:latin typeface="Comfortaa"/>
+                <a:ea typeface="Comfortaa"/>
+                <a:cs typeface="Comfortaa"/>
+                <a:sym typeface="Comfortaa"/>
+              </a:rPr>
+              <a:t>Thank You!!</a:t>
+            </a:r>
+            <a:endParaRPr sz="5000">
+              <a:latin typeface="Comfortaa"/>
+              <a:ea typeface="Comfortaa"/>
+              <a:cs typeface="Comfortaa"/>
+              <a:sym typeface="Comfortaa"/>
+            </a:endParaRPr>
           </a:p>
         </p:txBody>
       </p:sp>
@@ -11543,7 +11310,7 @@
           </a:bodyPr>
           <a:lstStyle/>
           <a:p>
-            <a:pPr indent="-419100" lvl="0" marL="457200" rtl="0" algn="l">
+            <a:pPr indent="-387350" lvl="0" marL="457200" rtl="0" algn="l">
               <a:spcBef>
                 <a:spcPts val="0"/>
               </a:spcBef>
@@ -11553,12 +11320,12 @@
               <a:buClr>
                 <a:srgbClr val="073763"/>
               </a:buClr>
-              <a:buSzPts val="3000"/>
+              <a:buSzPts val="2500"/>
               <a:buFont typeface="Overlock"/>
               <a:buAutoNum type="arabicPeriod"/>
             </a:pPr>
             <a:r>
-              <a:rPr b="1" lang="en" sz="2500">
+              <a:rPr b="1" lang="en" sz="2400">
                 <a:solidFill>
                   <a:srgbClr val="073763"/>
                 </a:solidFill>
@@ -11569,7 +11336,7 @@
               </a:rPr>
               <a:t>Project Objective</a:t>
             </a:r>
-            <a:endParaRPr b="1" sz="2500">
+            <a:endParaRPr b="1" sz="2400">
               <a:solidFill>
                 <a:srgbClr val="073763"/>
               </a:solidFill>
@@ -11580,7 +11347,7 @@
             </a:endParaRPr>
           </a:p>
           <a:p>
-            <a:pPr indent="-419100" lvl="0" marL="457200" rtl="0" algn="l">
+            <a:pPr indent="-387350" lvl="0" marL="457200" rtl="0" algn="l">
               <a:spcBef>
                 <a:spcPts val="0"/>
               </a:spcBef>
@@ -11590,12 +11357,12 @@
               <a:buClr>
                 <a:srgbClr val="073763"/>
               </a:buClr>
-              <a:buSzPts val="3000"/>
+              <a:buSzPts val="2500"/>
               <a:buFont typeface="Overlock"/>
               <a:buAutoNum type="arabicPeriod"/>
             </a:pPr>
             <a:r>
-              <a:rPr b="1" lang="en" sz="2500">
+              <a:rPr b="1" lang="en" sz="2400">
                 <a:solidFill>
                   <a:srgbClr val="073763"/>
                 </a:solidFill>
@@ -11606,7 +11373,7 @@
               </a:rPr>
               <a:t>Project Requirements</a:t>
             </a:r>
-            <a:endParaRPr b="1" sz="2500">
+            <a:endParaRPr b="1" sz="2400">
               <a:solidFill>
                 <a:srgbClr val="073763"/>
               </a:solidFill>
@@ -11617,7 +11384,7 @@
             </a:endParaRPr>
           </a:p>
           <a:p>
-            <a:pPr indent="-387350" lvl="1" marL="914400" rtl="0" algn="l">
+            <a:pPr indent="-381000" lvl="1" marL="914400" rtl="0" algn="l">
               <a:spcBef>
                 <a:spcPts val="0"/>
               </a:spcBef>
@@ -11627,12 +11394,12 @@
               <a:buClr>
                 <a:srgbClr val="0B5394"/>
               </a:buClr>
-              <a:buSzPts val="2500"/>
+              <a:buSzPts val="2400"/>
               <a:buFont typeface="Overlock"/>
               <a:buAutoNum type="arabicPeriod"/>
             </a:pPr>
             <a:r>
-              <a:rPr lang="en" sz="2400">
+              <a:rPr lang="en" sz="2300">
                 <a:solidFill>
                   <a:srgbClr val="0B5394"/>
                 </a:solidFill>
@@ -11643,7 +11410,7 @@
               </a:rPr>
               <a:t>Physical Components</a:t>
             </a:r>
-            <a:endParaRPr sz="2400">
+            <a:endParaRPr sz="2300">
               <a:solidFill>
                 <a:srgbClr val="0B5394"/>
               </a:solidFill>
@@ -11654,7 +11421,7 @@
             </a:endParaRPr>
           </a:p>
           <a:p>
-            <a:pPr indent="-387350" lvl="1" marL="914400" rtl="0" algn="l">
+            <a:pPr indent="-381000" lvl="1" marL="914400" rtl="0" algn="l">
               <a:spcBef>
                 <a:spcPts val="0"/>
               </a:spcBef>
@@ -11664,12 +11431,12 @@
               <a:buClr>
                 <a:srgbClr val="0B5394"/>
               </a:buClr>
-              <a:buSzPts val="2500"/>
+              <a:buSzPts val="2400"/>
               <a:buFont typeface="Overlock"/>
               <a:buAutoNum type="arabicPeriod"/>
             </a:pPr>
             <a:r>
-              <a:rPr lang="en" sz="2400">
+              <a:rPr lang="en" sz="2300">
                 <a:solidFill>
                   <a:srgbClr val="0B5394"/>
                 </a:solidFill>
@@ -11680,7 +11447,7 @@
               </a:rPr>
               <a:t>Softwares</a:t>
             </a:r>
-            <a:endParaRPr sz="2400">
+            <a:endParaRPr sz="2300">
               <a:solidFill>
                 <a:srgbClr val="0B5394"/>
               </a:solidFill>
@@ -11691,7 +11458,7 @@
             </a:endParaRPr>
           </a:p>
           <a:p>
-            <a:pPr indent="-419100" lvl="0" marL="457200" rtl="0" algn="l">
+            <a:pPr indent="-387350" lvl="0" marL="457200" rtl="0" algn="l">
               <a:spcBef>
                 <a:spcPts val="0"/>
               </a:spcBef>
@@ -11701,12 +11468,12 @@
               <a:buClr>
                 <a:srgbClr val="073763"/>
               </a:buClr>
-              <a:buSzPts val="3000"/>
+              <a:buSzPts val="2500"/>
               <a:buFont typeface="Overlock"/>
               <a:buAutoNum type="arabicPeriod"/>
             </a:pPr>
             <a:r>
-              <a:rPr b="1" lang="en" sz="2500">
+              <a:rPr b="1" lang="en" sz="2400">
                 <a:solidFill>
                   <a:srgbClr val="073763"/>
                 </a:solidFill>
@@ -11717,7 +11484,7 @@
               </a:rPr>
               <a:t>Schematic Diagram</a:t>
             </a:r>
-            <a:endParaRPr b="1" sz="2500">
+            <a:endParaRPr b="1" sz="2400">
               <a:solidFill>
                 <a:srgbClr val="073763"/>
               </a:solidFill>
@@ -11728,7 +11495,7 @@
             </a:endParaRPr>
           </a:p>
           <a:p>
-            <a:pPr indent="-419100" lvl="0" marL="457200" rtl="0" algn="l">
+            <a:pPr indent="-387350" lvl="0" marL="457200" rtl="0" algn="l">
               <a:spcBef>
                 <a:spcPts val="0"/>
               </a:spcBef>
@@ -11738,12 +11505,12 @@
               <a:buClr>
                 <a:srgbClr val="073763"/>
               </a:buClr>
-              <a:buSzPts val="3000"/>
+              <a:buSzPts val="2500"/>
               <a:buFont typeface="Overlock"/>
               <a:buAutoNum type="arabicPeriod"/>
             </a:pPr>
             <a:r>
-              <a:rPr b="1" lang="en" sz="2500">
+              <a:rPr b="1" lang="en" sz="2400">
                 <a:solidFill>
                   <a:srgbClr val="073763"/>
                 </a:solidFill>
@@ -11754,7 +11521,7 @@
               </a:rPr>
               <a:t>Block Diagram </a:t>
             </a:r>
-            <a:endParaRPr b="1" sz="2500">
+            <a:endParaRPr b="1" sz="2400">
               <a:solidFill>
                 <a:srgbClr val="073763"/>
               </a:solidFill>
@@ -11765,7 +11532,7 @@
             </a:endParaRPr>
           </a:p>
           <a:p>
-            <a:pPr indent="-419100" lvl="0" marL="457200" rtl="0" algn="l">
+            <a:pPr indent="-387350" lvl="0" marL="457200" rtl="0" algn="l">
               <a:spcBef>
                 <a:spcPts val="0"/>
               </a:spcBef>
@@ -11775,12 +11542,12 @@
               <a:buClr>
                 <a:srgbClr val="073763"/>
               </a:buClr>
-              <a:buSzPts val="3000"/>
+              <a:buSzPts val="2500"/>
               <a:buFont typeface="Overlock"/>
               <a:buAutoNum type="arabicPeriod"/>
             </a:pPr>
             <a:r>
-              <a:rPr b="1" lang="en" sz="2500">
+              <a:rPr b="1" lang="en" sz="2400">
                 <a:solidFill>
                   <a:srgbClr val="073763"/>
                 </a:solidFill>
@@ -11791,7 +11558,7 @@
               </a:rPr>
               <a:t>Flow Chart</a:t>
             </a:r>
-            <a:endParaRPr b="1" sz="2500">
+            <a:endParaRPr b="1" sz="2400">
               <a:solidFill>
                 <a:srgbClr val="073763"/>
               </a:solidFill>
@@ -11802,7 +11569,7 @@
             </a:endParaRPr>
           </a:p>
           <a:p>
-            <a:pPr indent="-419100" lvl="0" marL="457200" rtl="0" algn="l">
+            <a:pPr indent="-387350" lvl="0" marL="457200" rtl="0" algn="l">
               <a:spcBef>
                 <a:spcPts val="0"/>
               </a:spcBef>
@@ -11812,12 +11579,12 @@
               <a:buClr>
                 <a:srgbClr val="073763"/>
               </a:buClr>
-              <a:buSzPts val="3000"/>
+              <a:buSzPts val="2500"/>
               <a:buFont typeface="Overlock"/>
               <a:buAutoNum type="arabicPeriod"/>
             </a:pPr>
             <a:r>
-              <a:rPr b="1" lang="en" sz="2500">
+              <a:rPr b="1" lang="en" sz="2400">
                 <a:solidFill>
                   <a:srgbClr val="073763"/>
                 </a:solidFill>
@@ -11826,9 +11593,9 @@
                 <a:cs typeface="Overlock"/>
                 <a:sym typeface="Overlock"/>
               </a:rPr>
-              <a:t>Conclusions</a:t>
+              <a:t>Procedure</a:t>
             </a:r>
-            <a:endParaRPr b="1" sz="2500">
+            <a:endParaRPr b="1" sz="2400">
               <a:solidFill>
                 <a:srgbClr val="073763"/>
               </a:solidFill>
@@ -11839,7 +11606,7 @@
             </a:endParaRPr>
           </a:p>
           <a:p>
-            <a:pPr indent="-419100" lvl="0" marL="457200" rtl="0" algn="l">
+            <a:pPr indent="-387350" lvl="0" marL="457200" rtl="0" algn="l">
               <a:spcBef>
                 <a:spcPts val="0"/>
               </a:spcBef>
@@ -11849,12 +11616,49 @@
               <a:buClr>
                 <a:srgbClr val="073763"/>
               </a:buClr>
-              <a:buSzPts val="3000"/>
+              <a:buSzPts val="2500"/>
               <a:buFont typeface="Overlock"/>
               <a:buAutoNum type="arabicPeriod"/>
             </a:pPr>
             <a:r>
-              <a:rPr b="1" lang="en" sz="2500">
+              <a:rPr b="1" lang="en" sz="2400">
+                <a:solidFill>
+                  <a:srgbClr val="073763"/>
+                </a:solidFill>
+                <a:latin typeface="Overlock"/>
+                <a:ea typeface="Overlock"/>
+                <a:cs typeface="Overlock"/>
+                <a:sym typeface="Overlock"/>
+              </a:rPr>
+              <a:t>Conclusions</a:t>
+            </a:r>
+            <a:endParaRPr b="1" sz="2400">
+              <a:solidFill>
+                <a:srgbClr val="073763"/>
+              </a:solidFill>
+              <a:latin typeface="Overlock"/>
+              <a:ea typeface="Overlock"/>
+              <a:cs typeface="Overlock"/>
+              <a:sym typeface="Overlock"/>
+            </a:endParaRPr>
+          </a:p>
+          <a:p>
+            <a:pPr indent="-387350" lvl="0" marL="457200" rtl="0" algn="l">
+              <a:spcBef>
+                <a:spcPts val="0"/>
+              </a:spcBef>
+              <a:spcAft>
+                <a:spcPts val="0"/>
+              </a:spcAft>
+              <a:buClr>
+                <a:srgbClr val="073763"/>
+              </a:buClr>
+              <a:buSzPts val="2500"/>
+              <a:buFont typeface="Overlock"/>
+              <a:buAutoNum type="arabicPeriod"/>
+            </a:pPr>
+            <a:r>
+              <a:rPr b="1" lang="en" sz="2400">
                 <a:solidFill>
                   <a:srgbClr val="073763"/>
                 </a:solidFill>
@@ -11865,7 +11669,7 @@
               </a:rPr>
               <a:t>References</a:t>
             </a:r>
-            <a:endParaRPr b="1" sz="2500">
+            <a:endParaRPr b="1" sz="2400">
               <a:solidFill>
                 <a:srgbClr val="073763"/>
               </a:solidFill>
@@ -11991,10 +11795,20 @@
               <a:buNone/>
             </a:pPr>
             <a:r>
-              <a:rPr lang="en" sz="3800"/>
+              <a:rPr lang="en" sz="3800">
+                <a:latin typeface="Comfortaa"/>
+                <a:ea typeface="Comfortaa"/>
+                <a:cs typeface="Comfortaa"/>
+                <a:sym typeface="Comfortaa"/>
+              </a:rPr>
               <a:t>Project Objective</a:t>
             </a:r>
-            <a:endParaRPr sz="3800"/>
+            <a:endParaRPr sz="3800">
+              <a:latin typeface="Comfortaa"/>
+              <a:ea typeface="Comfortaa"/>
+              <a:cs typeface="Comfortaa"/>
+              <a:sym typeface="Comfortaa"/>
+            </a:endParaRPr>
           </a:p>
         </p:txBody>
       </p:sp>
@@ -12031,7 +11845,7 @@
               <a:buNone/>
             </a:pPr>
             <a:r>
-              <a:rPr lang="en" sz="2400">
+              <a:rPr lang="en" sz="2300">
                 <a:latin typeface="Candara"/>
                 <a:ea typeface="Candara"/>
                 <a:cs typeface="Candara"/>
@@ -12039,7 +11853,7 @@
               </a:rPr>
               <a:t>To perform the experiment “calculation of gravitational acceleration constant(g) using a pendulum” with the help of Semi automatic Infrared(IR)-based motion sensors  based on Arduino Uno.</a:t>
             </a:r>
-            <a:endParaRPr sz="2400">
+            <a:endParaRPr sz="2300">
               <a:latin typeface="Candara"/>
               <a:ea typeface="Candara"/>
               <a:cs typeface="Candara"/>
@@ -12106,10 +11920,20 @@
               <a:buNone/>
             </a:pPr>
             <a:r>
-              <a:rPr lang="en" sz="3800"/>
+              <a:rPr lang="en" sz="3500">
+                <a:latin typeface="Comfortaa"/>
+                <a:ea typeface="Comfortaa"/>
+                <a:cs typeface="Comfortaa"/>
+                <a:sym typeface="Comfortaa"/>
+              </a:rPr>
               <a:t>Project Requirements</a:t>
             </a:r>
-            <a:endParaRPr sz="3800"/>
+            <a:endParaRPr sz="3500">
+              <a:latin typeface="Comfortaa"/>
+              <a:ea typeface="Comfortaa"/>
+              <a:cs typeface="Comfortaa"/>
+              <a:sym typeface="Comfortaa"/>
+            </a:endParaRPr>
           </a:p>
         </p:txBody>
       </p:sp>
@@ -12138,19 +11962,19 @@
           </a:bodyPr>
           <a:lstStyle/>
           <a:p>
-            <a:pPr indent="-393700" lvl="0" marL="457200" rtl="0" algn="l">
-              <a:spcBef>
-                <a:spcPts val="0"/>
-              </a:spcBef>
-              <a:spcAft>
-                <a:spcPts val="0"/>
-              </a:spcAft>
-              <a:buSzPts val="2600"/>
+            <a:pPr indent="-387350" lvl="0" marL="457200" rtl="0" algn="l">
+              <a:spcBef>
+                <a:spcPts val="0"/>
+              </a:spcBef>
+              <a:spcAft>
+                <a:spcPts val="0"/>
+              </a:spcAft>
+              <a:buSzPts val="2500"/>
               <a:buFont typeface="Overlock"/>
               <a:buChar char="❏"/>
             </a:pPr>
             <a:r>
-              <a:rPr b="1" lang="en" sz="2600">
+              <a:rPr b="1" lang="en" sz="2500">
                 <a:latin typeface="Overlock"/>
                 <a:ea typeface="Overlock"/>
                 <a:cs typeface="Overlock"/>
@@ -12158,7 +11982,7 @@
               </a:rPr>
               <a:t>Physical Components</a:t>
             </a:r>
-            <a:endParaRPr b="1" sz="2600">
+            <a:endParaRPr b="1" sz="2500">
               <a:latin typeface="Overlock"/>
               <a:ea typeface="Overlock"/>
               <a:cs typeface="Overlock"/>
@@ -12166,7 +11990,7 @@
             </a:endParaRPr>
           </a:p>
           <a:p>
-            <a:pPr indent="-381000" lvl="1" marL="914400" rtl="0" algn="l">
+            <a:pPr indent="-374650" lvl="1" marL="914400" rtl="0" algn="l">
               <a:spcBef>
                 <a:spcPts val="0"/>
               </a:spcBef>
@@ -12176,12 +12000,12 @@
               <a:buClr>
                 <a:srgbClr val="134F5C"/>
               </a:buClr>
-              <a:buSzPts val="2400"/>
+              <a:buSzPts val="2300"/>
               <a:buFont typeface="Overlock"/>
               <a:buChar char="❏"/>
             </a:pPr>
             <a:r>
-              <a:rPr lang="en" sz="2400">
+              <a:rPr lang="en" sz="2300">
                 <a:solidFill>
                   <a:srgbClr val="134F5C"/>
                 </a:solidFill>
@@ -12192,7 +12016,7 @@
               </a:rPr>
               <a:t>Measuring Instruments</a:t>
             </a:r>
-            <a:endParaRPr sz="2400">
+            <a:endParaRPr sz="2300">
               <a:solidFill>
                 <a:srgbClr val="134F5C"/>
               </a:solidFill>
@@ -12203,7 +12027,7 @@
             </a:endParaRPr>
           </a:p>
           <a:p>
-            <a:pPr indent="-368300" lvl="2" marL="1371600" rtl="0" algn="l">
+            <a:pPr indent="-361950" lvl="2" marL="1371600" rtl="0" algn="l">
               <a:spcBef>
                 <a:spcPts val="0"/>
               </a:spcBef>
@@ -12213,12 +12037,12 @@
               <a:buClr>
                 <a:schemeClr val="dk2"/>
               </a:buClr>
-              <a:buSzPts val="2200"/>
+              <a:buSzPts val="2100"/>
               <a:buFont typeface="Overlock"/>
               <a:buChar char="❏"/>
             </a:pPr>
             <a:r>
-              <a:rPr lang="en" sz="2200">
+              <a:rPr lang="en" sz="2100">
                 <a:solidFill>
                   <a:schemeClr val="dk2"/>
                 </a:solidFill>
@@ -12229,7 +12053,7 @@
               </a:rPr>
               <a:t>Simple Pendulum</a:t>
             </a:r>
-            <a:endParaRPr sz="2000">
+            <a:endParaRPr sz="2100">
               <a:solidFill>
                 <a:srgbClr val="45818E"/>
               </a:solidFill>
@@ -12240,7 +12064,7 @@
             </a:endParaRPr>
           </a:p>
           <a:p>
-            <a:pPr indent="-368300" lvl="2" marL="1371600" rtl="0" algn="l">
+            <a:pPr indent="-361950" lvl="2" marL="1371600" rtl="0" algn="l">
               <a:spcBef>
                 <a:spcPts val="0"/>
               </a:spcBef>
@@ -12250,12 +12074,12 @@
               <a:buClr>
                 <a:schemeClr val="dk2"/>
               </a:buClr>
-              <a:buSzPts val="2200"/>
+              <a:buSzPts val="2100"/>
               <a:buFont typeface="Overlock"/>
               <a:buChar char="❏"/>
             </a:pPr>
             <a:r>
-              <a:rPr lang="en" sz="2200">
+              <a:rPr lang="en" sz="2100">
                 <a:solidFill>
                   <a:schemeClr val="dk2"/>
                 </a:solidFill>
@@ -12266,7 +12090,7 @@
               </a:rPr>
               <a:t>Vernier Caliper</a:t>
             </a:r>
-            <a:endParaRPr sz="2200">
+            <a:endParaRPr sz="2100">
               <a:solidFill>
                 <a:schemeClr val="dk2"/>
               </a:solidFill>
@@ -12277,7 +12101,7 @@
             </a:endParaRPr>
           </a:p>
           <a:p>
-            <a:pPr indent="-368300" lvl="2" marL="1371600" rtl="0" algn="l">
+            <a:pPr indent="-361950" lvl="2" marL="1371600" rtl="0" algn="l">
               <a:spcBef>
                 <a:spcPts val="0"/>
               </a:spcBef>
@@ -12287,12 +12111,12 @@
               <a:buClr>
                 <a:schemeClr val="dk2"/>
               </a:buClr>
-              <a:buSzPts val="2200"/>
+              <a:buSzPts val="2100"/>
               <a:buFont typeface="Overlock"/>
               <a:buChar char="❏"/>
             </a:pPr>
             <a:r>
-              <a:rPr lang="en" sz="2200">
+              <a:rPr lang="en" sz="2100">
                 <a:solidFill>
                   <a:schemeClr val="dk2"/>
                 </a:solidFill>
@@ -12303,7 +12127,7 @@
               </a:rPr>
               <a:t>Digilent IR Proximity Sensor</a:t>
             </a:r>
-            <a:endParaRPr sz="2200">
+            <a:endParaRPr sz="2100">
               <a:solidFill>
                 <a:schemeClr val="dk2"/>
               </a:solidFill>
@@ -12314,7 +12138,7 @@
             </a:endParaRPr>
           </a:p>
           <a:p>
-            <a:pPr indent="-381000" lvl="1" marL="914400" rtl="0" algn="l">
+            <a:pPr indent="-374650" lvl="1" marL="914400" rtl="0" algn="l">
               <a:spcBef>
                 <a:spcPts val="0"/>
               </a:spcBef>
@@ -12324,12 +12148,12 @@
               <a:buClr>
                 <a:srgbClr val="134F5C"/>
               </a:buClr>
-              <a:buSzPts val="2400"/>
+              <a:buSzPts val="2300"/>
               <a:buFont typeface="Overlock"/>
               <a:buChar char="❏"/>
             </a:pPr>
             <a:r>
-              <a:rPr lang="en" sz="2400">
+              <a:rPr lang="en" sz="2300">
                 <a:solidFill>
                   <a:srgbClr val="134F5C"/>
                 </a:solidFill>
@@ -12340,7 +12164,7 @@
               </a:rPr>
               <a:t>Arduino Uno</a:t>
             </a:r>
-            <a:endParaRPr sz="2400">
+            <a:endParaRPr sz="2300">
               <a:solidFill>
                 <a:srgbClr val="134F5C"/>
               </a:solidFill>
@@ -12351,7 +12175,7 @@
             </a:endParaRPr>
           </a:p>
           <a:p>
-            <a:pPr indent="-381000" lvl="1" marL="914400" rtl="0" algn="l">
+            <a:pPr indent="-374650" lvl="1" marL="914400" rtl="0" algn="l">
               <a:spcBef>
                 <a:spcPts val="0"/>
               </a:spcBef>
@@ -12361,12 +12185,12 @@
               <a:buClr>
                 <a:srgbClr val="134F5C"/>
               </a:buClr>
-              <a:buSzPts val="2400"/>
+              <a:buSzPts val="2300"/>
               <a:buFont typeface="Overlock"/>
               <a:buChar char="❏"/>
             </a:pPr>
             <a:r>
-              <a:rPr lang="en" sz="2400">
+              <a:rPr lang="en" sz="2300">
                 <a:solidFill>
                   <a:srgbClr val="134F5C"/>
                 </a:solidFill>
@@ -12377,7 +12201,7 @@
               </a:rPr>
               <a:t>Male/Female Jumper Wires</a:t>
             </a:r>
-            <a:endParaRPr sz="2400">
+            <a:endParaRPr sz="2300">
               <a:solidFill>
                 <a:srgbClr val="134F5C"/>
               </a:solidFill>
@@ -12388,19 +12212,19 @@
             </a:endParaRPr>
           </a:p>
           <a:p>
-            <a:pPr indent="-393700" lvl="0" marL="457200" rtl="0" algn="l">
-              <a:spcBef>
-                <a:spcPts val="0"/>
-              </a:spcBef>
-              <a:spcAft>
-                <a:spcPts val="0"/>
-              </a:spcAft>
-              <a:buSzPts val="2600"/>
+            <a:pPr indent="-387350" lvl="0" marL="457200" rtl="0" algn="l">
+              <a:spcBef>
+                <a:spcPts val="0"/>
+              </a:spcBef>
+              <a:spcAft>
+                <a:spcPts val="0"/>
+              </a:spcAft>
+              <a:buSzPts val="2500"/>
               <a:buFont typeface="Overlock"/>
               <a:buChar char="❏"/>
             </a:pPr>
             <a:r>
-              <a:rPr b="1" lang="en" sz="2600">
+              <a:rPr b="1" lang="en" sz="2500">
                 <a:latin typeface="Overlock"/>
                 <a:ea typeface="Overlock"/>
                 <a:cs typeface="Overlock"/>
@@ -12408,7 +12232,7 @@
               </a:rPr>
               <a:t>Software</a:t>
             </a:r>
-            <a:endParaRPr b="1" sz="2600">
+            <a:endParaRPr b="1" sz="2500">
               <a:latin typeface="Overlock"/>
               <a:ea typeface="Overlock"/>
               <a:cs typeface="Overlock"/>
@@ -12512,10 +12336,20 @@
               <a:buNone/>
             </a:pPr>
             <a:r>
-              <a:rPr lang="en" sz="3400"/>
+              <a:rPr lang="en" sz="3400">
+                <a:latin typeface="Comfortaa"/>
+                <a:ea typeface="Comfortaa"/>
+                <a:cs typeface="Comfortaa"/>
+                <a:sym typeface="Comfortaa"/>
+              </a:rPr>
               <a:t>Simple Pendulum</a:t>
             </a:r>
-            <a:endParaRPr sz="3400"/>
+            <a:endParaRPr sz="3400">
+              <a:latin typeface="Comfortaa"/>
+              <a:ea typeface="Comfortaa"/>
+              <a:cs typeface="Comfortaa"/>
+              <a:sym typeface="Comfortaa"/>
+            </a:endParaRPr>
           </a:p>
         </p:txBody>
       </p:sp>
@@ -12827,10 +12661,20 @@
               <a:buNone/>
             </a:pPr>
             <a:r>
-              <a:rPr lang="en" sz="3400"/>
+              <a:rPr lang="en" sz="3400">
+                <a:latin typeface="Comfortaa"/>
+                <a:ea typeface="Comfortaa"/>
+                <a:cs typeface="Comfortaa"/>
+                <a:sym typeface="Comfortaa"/>
+              </a:rPr>
               <a:t>IR Sensor</a:t>
             </a:r>
-            <a:endParaRPr sz="3400"/>
+            <a:endParaRPr sz="3400">
+              <a:latin typeface="Comfortaa"/>
+              <a:ea typeface="Comfortaa"/>
+              <a:cs typeface="Comfortaa"/>
+              <a:sym typeface="Comfortaa"/>
+            </a:endParaRPr>
           </a:p>
         </p:txBody>
       </p:sp>
@@ -13112,10 +12956,20 @@
               <a:buNone/>
             </a:pPr>
             <a:r>
-              <a:rPr lang="en" sz="3400"/>
+              <a:rPr lang="en" sz="3400">
+                <a:latin typeface="Comfortaa"/>
+                <a:ea typeface="Comfortaa"/>
+                <a:cs typeface="Comfortaa"/>
+                <a:sym typeface="Comfortaa"/>
+              </a:rPr>
               <a:t>Vernier Caliper</a:t>
             </a:r>
-            <a:endParaRPr sz="3400"/>
+            <a:endParaRPr sz="3400">
+              <a:latin typeface="Comfortaa"/>
+              <a:ea typeface="Comfortaa"/>
+              <a:cs typeface="Comfortaa"/>
+              <a:sym typeface="Comfortaa"/>
+            </a:endParaRPr>
           </a:p>
         </p:txBody>
       </p:sp>
@@ -13397,10 +13251,20 @@
               <a:buNone/>
             </a:pPr>
             <a:r>
-              <a:rPr lang="en" sz="3400"/>
+              <a:rPr lang="en" sz="3400">
+                <a:latin typeface="Comfortaa"/>
+                <a:ea typeface="Comfortaa"/>
+                <a:cs typeface="Comfortaa"/>
+                <a:sym typeface="Comfortaa"/>
+              </a:rPr>
               <a:t>Arduino Uno</a:t>
             </a:r>
-            <a:endParaRPr sz="3400"/>
+            <a:endParaRPr sz="3400">
+              <a:latin typeface="Comfortaa"/>
+              <a:ea typeface="Comfortaa"/>
+              <a:cs typeface="Comfortaa"/>
+              <a:sym typeface="Comfortaa"/>
+            </a:endParaRPr>
           </a:p>
         </p:txBody>
       </p:sp>
@@ -13512,8 +13376,8 @@
         </p:blipFill>
         <p:spPr>
           <a:xfrm>
-            <a:off x="5804026" y="902250"/>
-            <a:ext cx="3162724" cy="2724299"/>
+            <a:off x="5866625" y="956175"/>
+            <a:ext cx="3100125" cy="2670374"/>
           </a:xfrm>
           <a:prstGeom prst="rect">
             <a:avLst/>
@@ -13588,10 +13452,20 @@
               <a:buNone/>
             </a:pPr>
             <a:r>
-              <a:rPr lang="en" sz="3400"/>
+              <a:rPr lang="en" sz="3400">
+                <a:latin typeface="Comfortaa"/>
+                <a:ea typeface="Comfortaa"/>
+                <a:cs typeface="Comfortaa"/>
+                <a:sym typeface="Comfortaa"/>
+              </a:rPr>
               <a:t>Arduino IDE</a:t>
             </a:r>
-            <a:endParaRPr sz="3400"/>
+            <a:endParaRPr sz="3400">
+              <a:latin typeface="Comfortaa"/>
+              <a:ea typeface="Comfortaa"/>
+              <a:cs typeface="Comfortaa"/>
+              <a:sym typeface="Comfortaa"/>
+            </a:endParaRPr>
           </a:p>
         </p:txBody>
       </p:sp>
@@ -13864,6 +13738,285 @@
 </file>
 
 <file path=ppt/theme/theme1.xml><?xml version="1.0" encoding="utf-8"?>
+<a:theme xmlns:a="http://schemas.openxmlformats.org/drawingml/2006/main" xmlns:r="http://schemas.openxmlformats.org/officeDocument/2006/relationships">
+  <a:themeElements>
+    <a:clrScheme name="Default">
+      <a:dk1>
+        <a:srgbClr val="000000"/>
+      </a:dk1>
+      <a:lt1>
+        <a:srgbClr val="FFFFFF"/>
+      </a:lt1>
+      <a:dk2>
+        <a:srgbClr val="158158"/>
+      </a:dk2>
+      <a:lt2>
+        <a:srgbClr val="F3F3F3"/>
+      </a:lt2>
+      <a:accent1>
+        <a:srgbClr val="058DC7"/>
+      </a:accent1>
+      <a:accent2>
+        <a:srgbClr val="50B432"/>
+      </a:accent2>
+      <a:accent3>
+        <a:srgbClr val="ED561B"/>
+      </a:accent3>
+      <a:accent4>
+        <a:srgbClr val="EDEF00"/>
+      </a:accent4>
+      <a:accent5>
+        <a:srgbClr val="24CBE5"/>
+      </a:accent5>
+      <a:accent6>
+        <a:srgbClr val="64E572"/>
+      </a:accent6>
+      <a:hlink>
+        <a:srgbClr val="2200CC"/>
+      </a:hlink>
+      <a:folHlink>
+        <a:srgbClr val="551A8B"/>
+      </a:folHlink>
+    </a:clrScheme>
+    <a:fontScheme name="Office">
+      <a:majorFont>
+        <a:latin typeface="Arial"/>
+        <a:ea typeface=""/>
+        <a:cs typeface=""/>
+        <a:font script="Jpan" typeface="ＭＳ Ｐゴシック"/>
+        <a:font script="Hang" typeface="맑은 고딕"/>
+        <a:font script="Hans" typeface="宋体"/>
+        <a:font script="Hant" typeface="新細明體"/>
+        <a:font script="Arab" typeface="Times New Roman"/>
+        <a:font script="Hebr" typeface="Times New Roman"/>
+        <a:font script="Thai" typeface="Angsana New"/>
+        <a:font script="Ethi" typeface="Nyala"/>
+        <a:font script="Beng" typeface="Vrinda"/>
+        <a:font script="Gujr" typeface="Shruti"/>
+        <a:font script="Khmr" typeface="MoolBoran"/>
+        <a:font script="Knda" typeface="Tunga"/>
+        <a:font script="Guru" typeface="Raavi"/>
+        <a:font script="Cans" typeface="Euphemia"/>
+        <a:font script="Cher" typeface="Plantagenet Cherokee"/>
+        <a:font script="Yiii" typeface="Microsoft Yi Baiti"/>
+        <a:font script="Tibt" typeface="Microsoft Himalaya"/>
+        <a:font script="Thaa" typeface="MV Boli"/>
+        <a:font script="Deva" typeface="Mangal"/>
+        <a:font script="Telu" typeface="Gautami"/>
+        <a:font script="Taml" typeface="Latha"/>
+        <a:font script="Syrc" typeface="Estrangelo Edessa"/>
+        <a:font script="Orya" typeface="Kalinga"/>
+        <a:font script="Mlym" typeface="Kartika"/>
+        <a:font script="Laoo" typeface="DokChampa"/>
+        <a:font script="Sinh" typeface="Iskoola Pota"/>
+        <a:font script="Mong" typeface="Mongolian Baiti"/>
+        <a:font script="Viet" typeface="Times New Roman"/>
+        <a:font script="Uigh" typeface="Microsoft Uighur"/>
+        <a:font script="Geor" typeface="Sylfaen"/>
+      </a:majorFont>
+      <a:minorFont>
+        <a:latin typeface="Arial"/>
+        <a:ea typeface=""/>
+        <a:cs typeface=""/>
+        <a:font script="Jpan" typeface="ＭＳ Ｐゴシック"/>
+        <a:font script="Hang" typeface="맑은 고딕"/>
+        <a:font script="Hans" typeface="宋体"/>
+        <a:font script="Hant" typeface="新細明體"/>
+        <a:font script="Arab" typeface="Arial"/>
+        <a:font script="Hebr" typeface="Arial"/>
+        <a:font script="Thai" typeface="Cordia New"/>
+        <a:font script="Ethi" typeface="Nyala"/>
+        <a:font script="Beng" typeface="Vrinda"/>
+        <a:font script="Gujr" typeface="Shruti"/>
+        <a:font script="Khmr" typeface="DaunPenh"/>
+        <a:font script="Knda" typeface="Tunga"/>
+        <a:font script="Guru" typeface="Raavi"/>
+        <a:font script="Cans" typeface="Euphemia"/>
+        <a:font script="Cher" typeface="Plantagenet Cherokee"/>
+        <a:font script="Yiii" typeface="Microsoft Yi Baiti"/>
+        <a:font script="Tibt" typeface="Microsoft Himalaya"/>
+        <a:font script="Thaa" typeface="MV Boli"/>
+        <a:font script="Deva" typeface="Mangal"/>
+        <a:font script="Telu" typeface="Gautami"/>
+        <a:font script="Taml" typeface="Latha"/>
+        <a:font script="Syrc" typeface="Estrangelo Edessa"/>
+        <a:font script="Orya" typeface="Kalinga"/>
+        <a:font script="Mlym" typeface="Kartika"/>
+        <a:font script="Laoo" typeface="DokChampa"/>
+        <a:font script="Sinh" typeface="Iskoola Pota"/>
+        <a:font script="Mong" typeface="Mongolian Baiti"/>
+        <a:font script="Viet" typeface="Arial"/>
+        <a:font script="Uigh" typeface="Microsoft Uighur"/>
+        <a:font script="Geor" typeface="Sylfaen"/>
+      </a:minorFont>
+    </a:fontScheme>
+    <a:fmtScheme name="Office">
+      <a:fillStyleLst>
+        <a:solidFill>
+          <a:schemeClr val="phClr"/>
+        </a:solidFill>
+        <a:gradFill rotWithShape="1">
+          <a:gsLst>
+            <a:gs pos="0">
+              <a:schemeClr val="phClr">
+                <a:tint val="50000"/>
+                <a:satMod val="300000"/>
+              </a:schemeClr>
+            </a:gs>
+            <a:gs pos="35000">
+              <a:schemeClr val="phClr">
+                <a:tint val="37000"/>
+                <a:satMod val="300000"/>
+              </a:schemeClr>
+            </a:gs>
+            <a:gs pos="100000">
+              <a:schemeClr val="phClr">
+                <a:tint val="15000"/>
+                <a:satMod val="350000"/>
+              </a:schemeClr>
+            </a:gs>
+          </a:gsLst>
+          <a:lin ang="16200000" scaled="1"/>
+        </a:gradFill>
+        <a:gradFill rotWithShape="1">
+          <a:gsLst>
+            <a:gs pos="0">
+              <a:schemeClr val="phClr">
+                <a:tint val="100000"/>
+                <a:shade val="100000"/>
+                <a:satMod val="130000"/>
+              </a:schemeClr>
+            </a:gs>
+            <a:gs pos="100000">
+              <a:schemeClr val="phClr">
+                <a:tint val="50000"/>
+                <a:shade val="100000"/>
+                <a:satMod val="350000"/>
+              </a:schemeClr>
+            </a:gs>
+          </a:gsLst>
+          <a:lin ang="16200000" scaled="0"/>
+        </a:gradFill>
+      </a:fillStyleLst>
+      <a:lnStyleLst>
+        <a:ln w="9525" cap="flat" cmpd="sng" algn="ctr">
+          <a:solidFill>
+            <a:schemeClr val="phClr">
+              <a:shade val="95000"/>
+              <a:satMod val="105000"/>
+            </a:schemeClr>
+          </a:solidFill>
+          <a:prstDash val="solid"/>
+        </a:ln>
+        <a:ln w="25400" cap="flat" cmpd="sng" algn="ctr">
+          <a:solidFill>
+            <a:schemeClr val="phClr"/>
+          </a:solidFill>
+          <a:prstDash val="solid"/>
+        </a:ln>
+        <a:ln w="38100" cap="flat" cmpd="sng" algn="ctr">
+          <a:solidFill>
+            <a:schemeClr val="phClr"/>
+          </a:solidFill>
+          <a:prstDash val="solid"/>
+        </a:ln>
+      </a:lnStyleLst>
+      <a:effectStyleLst>
+        <a:effectStyle>
+          <a:effectLst>
+            <a:outerShdw blurRad="40000" dist="20000" dir="5400000" rotWithShape="0">
+              <a:srgbClr val="000000">
+                <a:alpha val="38000"/>
+              </a:srgbClr>
+            </a:outerShdw>
+          </a:effectLst>
+        </a:effectStyle>
+        <a:effectStyle>
+          <a:effectLst>
+            <a:outerShdw blurRad="40000" dist="23000" dir="5400000" rotWithShape="0">
+              <a:srgbClr val="000000">
+                <a:alpha val="35000"/>
+              </a:srgbClr>
+            </a:outerShdw>
+          </a:effectLst>
+        </a:effectStyle>
+        <a:effectStyle>
+          <a:effectLst>
+            <a:outerShdw blurRad="40000" dist="23000" dir="5400000" rotWithShape="0">
+              <a:srgbClr val="000000">
+                <a:alpha val="35000"/>
+              </a:srgbClr>
+            </a:outerShdw>
+          </a:effectLst>
+          <a:scene3d>
+            <a:camera prst="orthographicFront">
+              <a:rot lat="0" lon="0" rev="0"/>
+            </a:camera>
+            <a:lightRig rig="threePt" dir="t">
+              <a:rot lat="0" lon="0" rev="1200000"/>
+            </a:lightRig>
+          </a:scene3d>
+          <a:sp3d>
+            <a:bevelT w="63500" h="25400"/>
+          </a:sp3d>
+        </a:effectStyle>
+      </a:effectStyleLst>
+      <a:bgFillStyleLst>
+        <a:solidFill>
+          <a:schemeClr val="phClr"/>
+        </a:solidFill>
+        <a:gradFill rotWithShape="1">
+          <a:gsLst>
+            <a:gs pos="0">
+              <a:schemeClr val="phClr">
+                <a:tint val="40000"/>
+                <a:satMod val="350000"/>
+              </a:schemeClr>
+            </a:gs>
+            <a:gs pos="40000">
+              <a:schemeClr val="phClr">
+                <a:tint val="45000"/>
+                <a:shade val="99000"/>
+                <a:satMod val="350000"/>
+              </a:schemeClr>
+            </a:gs>
+            <a:gs pos="100000">
+              <a:schemeClr val="phClr">
+                <a:shade val="20000"/>
+                <a:satMod val="255000"/>
+              </a:schemeClr>
+            </a:gs>
+          </a:gsLst>
+          <a:path path="circle">
+            <a:fillToRect l="50000" t="-80000" r="50000" b="180000"/>
+          </a:path>
+        </a:gradFill>
+        <a:gradFill rotWithShape="1">
+          <a:gsLst>
+            <a:gs pos="0">
+              <a:schemeClr val="phClr">
+                <a:tint val="80000"/>
+                <a:satMod val="300000"/>
+              </a:schemeClr>
+            </a:gs>
+            <a:gs pos="100000">
+              <a:schemeClr val="phClr">
+                <a:shade val="30000"/>
+                <a:satMod val="200000"/>
+              </a:schemeClr>
+            </a:gs>
+          </a:gsLst>
+          <a:path path="circle">
+            <a:fillToRect l="50000" t="50000" r="50000" b="50000"/>
+          </a:path>
+        </a:gradFill>
+      </a:bgFillStyleLst>
+    </a:fmtScheme>
+  </a:themeElements>
+</a:theme>
+</file>
+
+<file path=ppt/theme/theme2.xml><?xml version="1.0" encoding="utf-8"?>
 <a:theme xmlns:a="http://schemas.openxmlformats.org/drawingml/2006/main" xmlns:r="http://schemas.openxmlformats.org/officeDocument/2006/relationships" name="Geometric">
   <a:themeElements>
     <a:clrScheme name="Geometric">
@@ -14140,283 +14293,4 @@
     </a:fmtScheme>
   </a:themeElements>
 </a:theme>
-</file>
-
-<file path=ppt/theme/theme2.xml><?xml version="1.0" encoding="utf-8"?>
-<a:theme xmlns:a="http://schemas.openxmlformats.org/drawingml/2006/main" xmlns:r="http://schemas.openxmlformats.org/officeDocument/2006/relationships">
-  <a:themeElements>
-    <a:clrScheme name="Default">
-      <a:dk1>
-        <a:srgbClr val="000000"/>
-      </a:dk1>
-      <a:lt1>
-        <a:srgbClr val="FFFFFF"/>
-      </a:lt1>
-      <a:dk2>
-        <a:srgbClr val="158158"/>
-      </a:dk2>
-      <a:lt2>
-        <a:srgbClr val="F3F3F3"/>
-      </a:lt2>
-      <a:accent1>
-        <a:srgbClr val="058DC7"/>
-      </a:accent1>
-      <a:accent2>
-        <a:srgbClr val="50B432"/>
-      </a:accent2>
-      <a:accent3>
-        <a:srgbClr val="ED561B"/>
-      </a:accent3>
-      <a:accent4>
-        <a:srgbClr val="EDEF00"/>
-      </a:accent4>
-      <a:accent5>
-        <a:srgbClr val="24CBE5"/>
-      </a:accent5>
-      <a:accent6>
-        <a:srgbClr val="64E572"/>
-      </a:accent6>
-      <a:hlink>
-        <a:srgbClr val="2200CC"/>
-      </a:hlink>
-      <a:folHlink>
-        <a:srgbClr val="551A8B"/>
-      </a:folHlink>
-    </a:clrScheme>
-    <a:fontScheme name="Office">
-      <a:majorFont>
-        <a:latin typeface="Arial"/>
-        <a:ea typeface=""/>
-        <a:cs typeface=""/>
-        <a:font script="Jpan" typeface="ＭＳ Ｐゴシック"/>
-        <a:font script="Hang" typeface="맑은 고딕"/>
-        <a:font script="Hans" typeface="宋体"/>
-        <a:font script="Hant" typeface="新細明體"/>
-        <a:font script="Arab" typeface="Times New Roman"/>
-        <a:font script="Hebr" typeface="Times New Roman"/>
-        <a:font script="Thai" typeface="Angsana New"/>
-        <a:font script="Ethi" typeface="Nyala"/>
-        <a:font script="Beng" typeface="Vrinda"/>
-        <a:font script="Gujr" typeface="Shruti"/>
-        <a:font script="Khmr" typeface="MoolBoran"/>
-        <a:font script="Knda" typeface="Tunga"/>
-        <a:font script="Guru" typeface="Raavi"/>
-        <a:font script="Cans" typeface="Euphemia"/>
-        <a:font script="Cher" typeface="Plantagenet Cherokee"/>
-        <a:font script="Yiii" typeface="Microsoft Yi Baiti"/>
-        <a:font script="Tibt" typeface="Microsoft Himalaya"/>
-        <a:font script="Thaa" typeface="MV Boli"/>
-        <a:font script="Deva" typeface="Mangal"/>
-        <a:font script="Telu" typeface="Gautami"/>
-        <a:font script="Taml" typeface="Latha"/>
-        <a:font script="Syrc" typeface="Estrangelo Edessa"/>
-        <a:font script="Orya" typeface="Kalinga"/>
-        <a:font script="Mlym" typeface="Kartika"/>
-        <a:font script="Laoo" typeface="DokChampa"/>
-        <a:font script="Sinh" typeface="Iskoola Pota"/>
-        <a:font script="Mong" typeface="Mongolian Baiti"/>
-        <a:font script="Viet" typeface="Times New Roman"/>
-        <a:font script="Uigh" typeface="Microsoft Uighur"/>
-        <a:font script="Geor" typeface="Sylfaen"/>
-      </a:majorFont>
-      <a:minorFont>
-        <a:latin typeface="Arial"/>
-        <a:ea typeface=""/>
-        <a:cs typeface=""/>
-        <a:font script="Jpan" typeface="ＭＳ Ｐゴシック"/>
-        <a:font script="Hang" typeface="맑은 고딕"/>
-        <a:font script="Hans" typeface="宋体"/>
-        <a:font script="Hant" typeface="新細明體"/>
-        <a:font script="Arab" typeface="Arial"/>
-        <a:font script="Hebr" typeface="Arial"/>
-        <a:font script="Thai" typeface="Cordia New"/>
-        <a:font script="Ethi" typeface="Nyala"/>
-        <a:font script="Beng" typeface="Vrinda"/>
-        <a:font script="Gujr" typeface="Shruti"/>
-        <a:font script="Khmr" typeface="DaunPenh"/>
-        <a:font script="Knda" typeface="Tunga"/>
-        <a:font script="Guru" typeface="Raavi"/>
-        <a:font script="Cans" typeface="Euphemia"/>
-        <a:font script="Cher" typeface="Plantagenet Cherokee"/>
-        <a:font script="Yiii" typeface="Microsoft Yi Baiti"/>
-        <a:font script="Tibt" typeface="Microsoft Himalaya"/>
-        <a:font script="Thaa" typeface="MV Boli"/>
-        <a:font script="Deva" typeface="Mangal"/>
-        <a:font script="Telu" typeface="Gautami"/>
-        <a:font script="Taml" typeface="Latha"/>
-        <a:font script="Syrc" typeface="Estrangelo Edessa"/>
-        <a:font script="Orya" typeface="Kalinga"/>
-        <a:font script="Mlym" typeface="Kartika"/>
-        <a:font script="Laoo" typeface="DokChampa"/>
-        <a:font script="Sinh" typeface="Iskoola Pota"/>
-        <a:font script="Mong" typeface="Mongolian Baiti"/>
-        <a:font script="Viet" typeface="Arial"/>
-        <a:font script="Uigh" typeface="Microsoft Uighur"/>
-        <a:font script="Geor" typeface="Sylfaen"/>
-      </a:minorFont>
-    </a:fontScheme>
-    <a:fmtScheme name="Office">
-      <a:fillStyleLst>
-        <a:solidFill>
-          <a:schemeClr val="phClr"/>
-        </a:solidFill>
-        <a:gradFill rotWithShape="1">
-          <a:gsLst>
-            <a:gs pos="0">
-              <a:schemeClr val="phClr">
-                <a:tint val="50000"/>
-                <a:satMod val="300000"/>
-              </a:schemeClr>
-            </a:gs>
-            <a:gs pos="35000">
-              <a:schemeClr val="phClr">
-                <a:tint val="37000"/>
-                <a:satMod val="300000"/>
-              </a:schemeClr>
-            </a:gs>
-            <a:gs pos="100000">
-              <a:schemeClr val="phClr">
-                <a:tint val="15000"/>
-                <a:satMod val="350000"/>
-              </a:schemeClr>
-            </a:gs>
-          </a:gsLst>
-          <a:lin ang="16200000" scaled="1"/>
-        </a:gradFill>
-        <a:gradFill rotWithShape="1">
-          <a:gsLst>
-            <a:gs pos="0">
-              <a:schemeClr val="phClr">
-                <a:tint val="100000"/>
-                <a:shade val="100000"/>
-                <a:satMod val="130000"/>
-              </a:schemeClr>
-            </a:gs>
-            <a:gs pos="100000">
-              <a:schemeClr val="phClr">
-                <a:tint val="50000"/>
-                <a:shade val="100000"/>
-                <a:satMod val="350000"/>
-              </a:schemeClr>
-            </a:gs>
-          </a:gsLst>
-          <a:lin ang="16200000" scaled="0"/>
-        </a:gradFill>
-      </a:fillStyleLst>
-      <a:lnStyleLst>
-        <a:ln w="9525" cap="flat" cmpd="sng" algn="ctr">
-          <a:solidFill>
-            <a:schemeClr val="phClr">
-              <a:shade val="95000"/>
-              <a:satMod val="105000"/>
-            </a:schemeClr>
-          </a:solidFill>
-          <a:prstDash val="solid"/>
-        </a:ln>
-        <a:ln w="25400" cap="flat" cmpd="sng" algn="ctr">
-          <a:solidFill>
-            <a:schemeClr val="phClr"/>
-          </a:solidFill>
-          <a:prstDash val="solid"/>
-        </a:ln>
-        <a:ln w="38100" cap="flat" cmpd="sng" algn="ctr">
-          <a:solidFill>
-            <a:schemeClr val="phClr"/>
-          </a:solidFill>
-          <a:prstDash val="solid"/>
-        </a:ln>
-      </a:lnStyleLst>
-      <a:effectStyleLst>
-        <a:effectStyle>
-          <a:effectLst>
-            <a:outerShdw blurRad="40000" dist="20000" dir="5400000" rotWithShape="0">
-              <a:srgbClr val="000000">
-                <a:alpha val="38000"/>
-              </a:srgbClr>
-            </a:outerShdw>
-          </a:effectLst>
-        </a:effectStyle>
-        <a:effectStyle>
-          <a:effectLst>
-            <a:outerShdw blurRad="40000" dist="23000" dir="5400000" rotWithShape="0">
-              <a:srgbClr val="000000">
-                <a:alpha val="35000"/>
-              </a:srgbClr>
-            </a:outerShdw>
-          </a:effectLst>
-        </a:effectStyle>
-        <a:effectStyle>
-          <a:effectLst>
-            <a:outerShdw blurRad="40000" dist="23000" dir="5400000" rotWithShape="0">
-              <a:srgbClr val="000000">
-                <a:alpha val="35000"/>
-              </a:srgbClr>
-            </a:outerShdw>
-          </a:effectLst>
-          <a:scene3d>
-            <a:camera prst="orthographicFront">
-              <a:rot lat="0" lon="0" rev="0"/>
-            </a:camera>
-            <a:lightRig rig="threePt" dir="t">
-              <a:rot lat="0" lon="0" rev="1200000"/>
-            </a:lightRig>
-          </a:scene3d>
-          <a:sp3d>
-            <a:bevelT w="63500" h="25400"/>
-          </a:sp3d>
-        </a:effectStyle>
-      </a:effectStyleLst>
-      <a:bgFillStyleLst>
-        <a:solidFill>
-          <a:schemeClr val="phClr"/>
-        </a:solidFill>
-        <a:gradFill rotWithShape="1">
-          <a:gsLst>
-            <a:gs pos="0">
-              <a:schemeClr val="phClr">
-                <a:tint val="40000"/>
-                <a:satMod val="350000"/>
-              </a:schemeClr>
-            </a:gs>
-            <a:gs pos="40000">
-              <a:schemeClr val="phClr">
-                <a:tint val="45000"/>
-                <a:shade val="99000"/>
-                <a:satMod val="350000"/>
-              </a:schemeClr>
-            </a:gs>
-            <a:gs pos="100000">
-              <a:schemeClr val="phClr">
-                <a:shade val="20000"/>
-                <a:satMod val="255000"/>
-              </a:schemeClr>
-            </a:gs>
-          </a:gsLst>
-          <a:path path="circle">
-            <a:fillToRect l="50000" t="-80000" r="50000" b="180000"/>
-          </a:path>
-        </a:gradFill>
-        <a:gradFill rotWithShape="1">
-          <a:gsLst>
-            <a:gs pos="0">
-              <a:schemeClr val="phClr">
-                <a:tint val="80000"/>
-                <a:satMod val="300000"/>
-              </a:schemeClr>
-            </a:gs>
-            <a:gs pos="100000">
-              <a:schemeClr val="phClr">
-                <a:shade val="30000"/>
-                <a:satMod val="200000"/>
-              </a:schemeClr>
-            </a:gs>
-          </a:gsLst>
-          <a:path path="circle">
-            <a:fillToRect l="50000" t="50000" r="50000" b="50000"/>
-          </a:path>
-        </a:gradFill>
-      </a:bgFillStyleLst>
-    </a:fmtScheme>
-  </a:themeElements>
-</a:theme>
 </file>